--- a/PlantillaPresetnacionPracticum_4.1.pptx
+++ b/PlantillaPresetnacionPracticum_4.1.pptx
@@ -4350,25 +4350,25 @@
     </dgm:pt>
   </dgm:ptLst>
   <dgm:cxnLst>
-    <dgm:cxn modelId="{9979A3A3-7521-9D4B-A267-EBEDC124CAC5}" srcId="{927CFBBD-7561-3441-9293-83FC6B8C6F6D}" destId="{EA311203-FF31-764D-BA8C-692C8C262239}" srcOrd="2" destOrd="0" parTransId="{D49EAE68-9307-DB4A-A725-7C160720A43A}" sibTransId="{9AF8A73C-7D74-5B41-8335-1DFEC0B62A87}"/>
+    <dgm:cxn modelId="{37A9E8F8-D508-6D49-B412-828E977898EC}" type="presOf" srcId="{63F9090A-6549-0545-84AA-0D2DA9FBC096}" destId="{D86995FA-7988-7F43-A9EB-A6D62B20E2D5}" srcOrd="0" destOrd="1" presId="urn:microsoft.com/office/officeart/2005/8/layout/vList2"/>
     <dgm:cxn modelId="{2E592EBF-6F6C-B848-B690-4FC8FAE11571}" type="presOf" srcId="{E0895953-413D-EA40-9010-D79FE0AB8E3F}" destId="{431B1631-8A73-8948-8367-E15382D6D97A}" srcOrd="0" destOrd="0" presId="urn:microsoft.com/office/officeart/2005/8/layout/vList2"/>
+    <dgm:cxn modelId="{D6577CFD-B203-4A46-923E-4A0E4BFE1CCA}" srcId="{927CFBBD-7561-3441-9293-83FC6B8C6F6D}" destId="{DDE15867-3C8B-5D43-A30E-7EA15E339988}" srcOrd="1" destOrd="0" parTransId="{E5145357-9447-4046-B0AA-CE9609B6F9D6}" sibTransId="{38A681F6-7826-104E-88B0-183044E4D255}"/>
+    <dgm:cxn modelId="{E01CC956-A713-FC4D-A38D-1C6B23E24666}" srcId="{DDE15867-3C8B-5D43-A30E-7EA15E339988}" destId="{92BFF5F7-5F7D-2E48-855A-ABD8D68F5A9F}" srcOrd="0" destOrd="0" parTransId="{5C310C28-2B3A-B542-A7BB-F27F25EE9A53}" sibTransId="{93FA8EFE-C910-CE42-BE26-468525015BDC}"/>
+    <dgm:cxn modelId="{F31B04D8-DED1-9E4F-9565-CAFDD35C170C}" srcId="{DDE15867-3C8B-5D43-A30E-7EA15E339988}" destId="{63F9090A-6549-0545-84AA-0D2DA9FBC096}" srcOrd="1" destOrd="0" parTransId="{6F2AE2FF-180C-6348-B527-119951BD210D}" sibTransId="{12465072-4FF0-0342-97E5-2A7E6A91AF59}"/>
     <dgm:cxn modelId="{C11FFD50-EE57-9941-9EE7-9E5543B75D37}" type="presOf" srcId="{EA311203-FF31-764D-BA8C-692C8C262239}" destId="{0CDEF05D-24F6-F14A-AAB2-C23247B416CE}" srcOrd="0" destOrd="0" presId="urn:microsoft.com/office/officeart/2005/8/layout/vList2"/>
+    <dgm:cxn modelId="{1E1FAA53-6646-E847-87EB-EA447A460F76}" srcId="{927CFBBD-7561-3441-9293-83FC6B8C6F6D}" destId="{E0895953-413D-EA40-9010-D79FE0AB8E3F}" srcOrd="0" destOrd="0" parTransId="{E1D4A0E2-3747-D64D-936F-93E38018B35F}" sibTransId="{E16724E5-1FA4-354F-9542-B610759A7E54}"/>
+    <dgm:cxn modelId="{AC385719-94EB-3E4F-9728-50556D6F0067}" type="presOf" srcId="{E38E36DC-8476-8648-95EA-7EC93365B916}" destId="{A33BF93F-4A22-BD47-B982-ED9E6DB595B6}" srcOrd="0" destOrd="1" presId="urn:microsoft.com/office/officeart/2005/8/layout/vList2"/>
+    <dgm:cxn modelId="{C60603E3-671B-F245-9A84-C3EBD9AF82EC}" srcId="{EA311203-FF31-764D-BA8C-692C8C262239}" destId="{B412106C-86EA-AE45-BA82-EF6AEDD1C0B1}" srcOrd="1" destOrd="0" parTransId="{D4354B2F-C94E-8245-81CA-2DFE448BD4D8}" sibTransId="{B7F589A9-7AA8-7B45-807C-0D9475BAEBFC}"/>
+    <dgm:cxn modelId="{53ADA91A-8D7D-7C4D-B064-949C310C387E}" srcId="{EA311203-FF31-764D-BA8C-692C8C262239}" destId="{62D99AE4-E350-0C45-93C9-3C2E0D0B4208}" srcOrd="0" destOrd="0" parTransId="{E3B799B9-9DDB-4248-8E78-1C1CDD312FDD}" sibTransId="{74C050F9-3CDD-224A-B1EC-3542028A7B52}"/>
+    <dgm:cxn modelId="{EA88BF92-93A5-784D-AEE8-F56DEB8F67AC}" type="presOf" srcId="{406419E1-0FFF-354F-A0D0-2719B35FB9C6}" destId="{A33BF93F-4A22-BD47-B982-ED9E6DB595B6}" srcOrd="0" destOrd="0" presId="urn:microsoft.com/office/officeart/2005/8/layout/vList2"/>
+    <dgm:cxn modelId="{8A59AAF6-C36C-B24D-9715-DE5D94F8D180}" srcId="{E0895953-413D-EA40-9010-D79FE0AB8E3F}" destId="{E38E36DC-8476-8648-95EA-7EC93365B916}" srcOrd="1" destOrd="0" parTransId="{2E419D6C-5DFE-C94C-864E-B12C0008B28B}" sibTransId="{34FB6567-8C44-604A-83DA-200AC62F80AC}"/>
     <dgm:cxn modelId="{8AF37D57-7247-974A-868F-58A86453A475}" type="presOf" srcId="{B412106C-86EA-AE45-BA82-EF6AEDD1C0B1}" destId="{DBD3C224-E551-D240-AA2B-D1A316CE8069}" srcOrd="0" destOrd="1" presId="urn:microsoft.com/office/officeart/2005/8/layout/vList2"/>
-    <dgm:cxn modelId="{F31B04D8-DED1-9E4F-9565-CAFDD35C170C}" srcId="{DDE15867-3C8B-5D43-A30E-7EA15E339988}" destId="{63F9090A-6549-0545-84AA-0D2DA9FBC096}" srcOrd="1" destOrd="0" parTransId="{6F2AE2FF-180C-6348-B527-119951BD210D}" sibTransId="{12465072-4FF0-0342-97E5-2A7E6A91AF59}"/>
-    <dgm:cxn modelId="{1E1FAA53-6646-E847-87EB-EA447A460F76}" srcId="{927CFBBD-7561-3441-9293-83FC6B8C6F6D}" destId="{E0895953-413D-EA40-9010-D79FE0AB8E3F}" srcOrd="0" destOrd="0" parTransId="{E1D4A0E2-3747-D64D-936F-93E38018B35F}" sibTransId="{E16724E5-1FA4-354F-9542-B610759A7E54}"/>
-    <dgm:cxn modelId="{53ADA91A-8D7D-7C4D-B064-949C310C387E}" srcId="{EA311203-FF31-764D-BA8C-692C8C262239}" destId="{62D99AE4-E350-0C45-93C9-3C2E0D0B4208}" srcOrd="0" destOrd="0" parTransId="{E3B799B9-9DDB-4248-8E78-1C1CDD312FDD}" sibTransId="{74C050F9-3CDD-224A-B1EC-3542028A7B52}"/>
-    <dgm:cxn modelId="{D6577CFD-B203-4A46-923E-4A0E4BFE1CCA}" srcId="{927CFBBD-7561-3441-9293-83FC6B8C6F6D}" destId="{DDE15867-3C8B-5D43-A30E-7EA15E339988}" srcOrd="1" destOrd="0" parTransId="{E5145357-9447-4046-B0AA-CE9609B6F9D6}" sibTransId="{38A681F6-7826-104E-88B0-183044E4D255}"/>
-    <dgm:cxn modelId="{8A59AAF6-C36C-B24D-9715-DE5D94F8D180}" srcId="{E0895953-413D-EA40-9010-D79FE0AB8E3F}" destId="{E38E36DC-8476-8648-95EA-7EC93365B916}" srcOrd="1" destOrd="0" parTransId="{2E419D6C-5DFE-C94C-864E-B12C0008B28B}" sibTransId="{34FB6567-8C44-604A-83DA-200AC62F80AC}"/>
-    <dgm:cxn modelId="{926FF674-AC38-1541-8923-1B5C1C27175A}" type="presOf" srcId="{927CFBBD-7561-3441-9293-83FC6B8C6F6D}" destId="{CC70B8A7-1F3F-8C41-9594-C9064B821710}" srcOrd="0" destOrd="0" presId="urn:microsoft.com/office/officeart/2005/8/layout/vList2"/>
-    <dgm:cxn modelId="{37A9E8F8-D508-6D49-B412-828E977898EC}" type="presOf" srcId="{63F9090A-6549-0545-84AA-0D2DA9FBC096}" destId="{D86995FA-7988-7F43-A9EB-A6D62B20E2D5}" srcOrd="0" destOrd="1" presId="urn:microsoft.com/office/officeart/2005/8/layout/vList2"/>
-    <dgm:cxn modelId="{E01CC956-A713-FC4D-A38D-1C6B23E24666}" srcId="{DDE15867-3C8B-5D43-A30E-7EA15E339988}" destId="{92BFF5F7-5F7D-2E48-855A-ABD8D68F5A9F}" srcOrd="0" destOrd="0" parTransId="{5C310C28-2B3A-B542-A7BB-F27F25EE9A53}" sibTransId="{93FA8EFE-C910-CE42-BE26-468525015BDC}"/>
-    <dgm:cxn modelId="{EA88BF92-93A5-784D-AEE8-F56DEB8F67AC}" type="presOf" srcId="{406419E1-0FFF-354F-A0D0-2719B35FB9C6}" destId="{A33BF93F-4A22-BD47-B982-ED9E6DB595B6}" srcOrd="0" destOrd="0" presId="urn:microsoft.com/office/officeart/2005/8/layout/vList2"/>
-    <dgm:cxn modelId="{AC385719-94EB-3E4F-9728-50556D6F0067}" type="presOf" srcId="{E38E36DC-8476-8648-95EA-7EC93365B916}" destId="{A33BF93F-4A22-BD47-B982-ED9E6DB595B6}" srcOrd="0" destOrd="1" presId="urn:microsoft.com/office/officeart/2005/8/layout/vList2"/>
     <dgm:cxn modelId="{2AEFB4CA-F6D0-6245-A2BE-60A2C2C16ABB}" srcId="{E0895953-413D-EA40-9010-D79FE0AB8E3F}" destId="{406419E1-0FFF-354F-A0D0-2719B35FB9C6}" srcOrd="0" destOrd="0" parTransId="{8AAFB291-E321-DB4D-B6D6-C650B0CD73D9}" sibTransId="{2839BF11-547B-AC46-B8F2-7C1E804CC372}"/>
     <dgm:cxn modelId="{EB8E01E6-C0D6-0E46-BB18-4C4088FC9AD5}" type="presOf" srcId="{DDE15867-3C8B-5D43-A30E-7EA15E339988}" destId="{E907E970-5DB0-ED44-ACE1-855D47AA586A}" srcOrd="0" destOrd="0" presId="urn:microsoft.com/office/officeart/2005/8/layout/vList2"/>
+    <dgm:cxn modelId="{9979A3A3-7521-9D4B-A267-EBEDC124CAC5}" srcId="{927CFBBD-7561-3441-9293-83FC6B8C6F6D}" destId="{EA311203-FF31-764D-BA8C-692C8C262239}" srcOrd="2" destOrd="0" parTransId="{D49EAE68-9307-DB4A-A725-7C160720A43A}" sibTransId="{9AF8A73C-7D74-5B41-8335-1DFEC0B62A87}"/>
+    <dgm:cxn modelId="{926FF674-AC38-1541-8923-1B5C1C27175A}" type="presOf" srcId="{927CFBBD-7561-3441-9293-83FC6B8C6F6D}" destId="{CC70B8A7-1F3F-8C41-9594-C9064B821710}" srcOrd="0" destOrd="0" presId="urn:microsoft.com/office/officeart/2005/8/layout/vList2"/>
     <dgm:cxn modelId="{46DD0596-73A3-C245-9C46-B7FC61E35022}" type="presOf" srcId="{62D99AE4-E350-0C45-93C9-3C2E0D0B4208}" destId="{DBD3C224-E551-D240-AA2B-D1A316CE8069}" srcOrd="0" destOrd="0" presId="urn:microsoft.com/office/officeart/2005/8/layout/vList2"/>
     <dgm:cxn modelId="{10C13D49-66CD-D740-9B39-3D43244557E3}" type="presOf" srcId="{92BFF5F7-5F7D-2E48-855A-ABD8D68F5A9F}" destId="{D86995FA-7988-7F43-A9EB-A6D62B20E2D5}" srcOrd="0" destOrd="0" presId="urn:microsoft.com/office/officeart/2005/8/layout/vList2"/>
-    <dgm:cxn modelId="{C60603E3-671B-F245-9A84-C3EBD9AF82EC}" srcId="{EA311203-FF31-764D-BA8C-692C8C262239}" destId="{B412106C-86EA-AE45-BA82-EF6AEDD1C0B1}" srcOrd="1" destOrd="0" parTransId="{D4354B2F-C94E-8245-81CA-2DFE448BD4D8}" sibTransId="{B7F589A9-7AA8-7B45-807C-0D9475BAEBFC}"/>
     <dgm:cxn modelId="{1FCEB65B-FEA9-C541-8AF6-6AB8984479A5}" type="presParOf" srcId="{CC70B8A7-1F3F-8C41-9594-C9064B821710}" destId="{431B1631-8A73-8948-8367-E15382D6D97A}" srcOrd="0" destOrd="0" presId="urn:microsoft.com/office/officeart/2005/8/layout/vList2"/>
     <dgm:cxn modelId="{7DCE5B90-D07B-1C4B-814E-34789B93AB02}" type="presParOf" srcId="{CC70B8A7-1F3F-8C41-9594-C9064B821710}" destId="{A33BF93F-4A22-BD47-B982-ED9E6DB595B6}" srcOrd="1" destOrd="0" presId="urn:microsoft.com/office/officeart/2005/8/layout/vList2"/>
     <dgm:cxn modelId="{A82B32AD-3C10-D342-9139-3185A07CC0F2}" type="presParOf" srcId="{CC70B8A7-1F3F-8C41-9594-C9064B821710}" destId="{E907E970-5DB0-ED44-ACE1-855D47AA586A}" srcOrd="2" destOrd="0" presId="urn:microsoft.com/office/officeart/2005/8/layout/vList2"/>
@@ -4811,8 +4811,8 @@
     <dgm:cxn modelId="{BEB793A1-67D8-284D-A5C8-B56A7F2271EB}" type="presOf" srcId="{FB90B8AB-C5E6-8647-B183-9B6CB29B46F4}" destId="{8B14C782-AF89-0F47-9D34-C6D40538E8B7}" srcOrd="0" destOrd="3" presId="urn:microsoft.com/office/officeart/2005/8/layout/vList2"/>
     <dgm:cxn modelId="{6FA3700D-6A1E-0243-BECD-D84D389F9DF9}" srcId="{E38E36DC-8476-8648-95EA-7EC93365B916}" destId="{0541EA34-580B-094F-B05A-74D64D7E8998}" srcOrd="0" destOrd="0" parTransId="{CA7083C4-DA5B-2A46-8ADF-77F1100C837A}" sibTransId="{F3C38E9E-E99A-494F-BAD4-8E1514A66D35}"/>
     <dgm:cxn modelId="{418340F2-196D-4D44-B68A-826AA913C0B1}" srcId="{E0895953-413D-EA40-9010-D79FE0AB8E3F}" destId="{FB90B8AB-C5E6-8647-B183-9B6CB29B46F4}" srcOrd="2" destOrd="0" parTransId="{E9CD4B3D-CE3B-B84B-A084-D0BB6D985442}" sibTransId="{3B8C62B7-7D5D-F543-807B-BE4B0613E0D2}"/>
+    <dgm:cxn modelId="{2AEFB4CA-F6D0-6245-A2BE-60A2C2C16ABB}" srcId="{E0895953-413D-EA40-9010-D79FE0AB8E3F}" destId="{406419E1-0FFF-354F-A0D0-2719B35FB9C6}" srcOrd="0" destOrd="0" parTransId="{8AAFB291-E321-DB4D-B6D6-C650B0CD73D9}" sibTransId="{2839BF11-547B-AC46-B8F2-7C1E804CC372}"/>
     <dgm:cxn modelId="{76195E20-7A90-2F48-8E5B-AB0E4BF4277C}" srcId="{E0895953-413D-EA40-9010-D79FE0AB8E3F}" destId="{96B75234-D76B-174D-9740-A26518A7FE40}" srcOrd="3" destOrd="0" parTransId="{E71C125F-01EB-CF47-8FE3-7FE4C88C054D}" sibTransId="{2ED66174-39D3-1747-8125-9B96727717F8}"/>
-    <dgm:cxn modelId="{2AEFB4CA-F6D0-6245-A2BE-60A2C2C16ABB}" srcId="{E0895953-413D-EA40-9010-D79FE0AB8E3F}" destId="{406419E1-0FFF-354F-A0D0-2719B35FB9C6}" srcOrd="0" destOrd="0" parTransId="{8AAFB291-E321-DB4D-B6D6-C650B0CD73D9}" sibTransId="{2839BF11-547B-AC46-B8F2-7C1E804CC372}"/>
     <dgm:cxn modelId="{4C7C036C-620C-6349-A04B-4FCD8466C310}" type="presOf" srcId="{E38E36DC-8476-8648-95EA-7EC93365B916}" destId="{8B14C782-AF89-0F47-9D34-C6D40538E8B7}" srcOrd="0" destOrd="1" presId="urn:microsoft.com/office/officeart/2005/8/layout/vList2"/>
     <dgm:cxn modelId="{38418F25-9C62-A34D-B722-8FC154586176}" type="presOf" srcId="{406419E1-0FFF-354F-A0D0-2719B35FB9C6}" destId="{8B14C782-AF89-0F47-9D34-C6D40538E8B7}" srcOrd="0" destOrd="0" presId="urn:microsoft.com/office/officeart/2005/8/layout/vList2"/>
     <dgm:cxn modelId="{133C7637-D5E6-2C46-A02A-267577018F22}" srcId="{96B75234-D76B-174D-9740-A26518A7FE40}" destId="{276F7011-1D27-B644-B757-7CB205AE0D85}" srcOrd="0" destOrd="0" parTransId="{65417372-67C8-0449-809E-932CD7D3A075}" sibTransId="{7423E876-EC27-C248-B18F-20432F16B5A6}"/>
@@ -5253,8 +5253,8 @@
     <dgm:cxn modelId="{B4E14CFA-8802-1144-82A7-C82400A84759}" type="presOf" srcId="{B403F99C-EAFE-E840-BB4E-733B0C55CB63}" destId="{8B14C782-AF89-0F47-9D34-C6D40538E8B7}" srcOrd="0" destOrd="8" presId="urn:microsoft.com/office/officeart/2005/8/layout/vList2"/>
     <dgm:cxn modelId="{24033443-ED87-954A-96BD-5A2AD2111F30}" type="presOf" srcId="{E0895953-413D-EA40-9010-D79FE0AB8E3F}" destId="{78C8E693-FE6C-6F46-8864-984326505708}" srcOrd="0" destOrd="0" presId="urn:microsoft.com/office/officeart/2005/8/layout/vList2"/>
     <dgm:cxn modelId="{418340F2-196D-4D44-B68A-826AA913C0B1}" srcId="{E0895953-413D-EA40-9010-D79FE0AB8E3F}" destId="{FB90B8AB-C5E6-8647-B183-9B6CB29B46F4}" srcOrd="2" destOrd="0" parTransId="{E9CD4B3D-CE3B-B84B-A084-D0BB6D985442}" sibTransId="{3B8C62B7-7D5D-F543-807B-BE4B0613E0D2}"/>
+    <dgm:cxn modelId="{76195E20-7A90-2F48-8E5B-AB0E4BF4277C}" srcId="{E0895953-413D-EA40-9010-D79FE0AB8E3F}" destId="{96B75234-D76B-174D-9740-A26518A7FE40}" srcOrd="3" destOrd="0" parTransId="{E71C125F-01EB-CF47-8FE3-7FE4C88C054D}" sibTransId="{2ED66174-39D3-1747-8125-9B96727717F8}"/>
     <dgm:cxn modelId="{2AEFB4CA-F6D0-6245-A2BE-60A2C2C16ABB}" srcId="{E0895953-413D-EA40-9010-D79FE0AB8E3F}" destId="{406419E1-0FFF-354F-A0D0-2719B35FB9C6}" srcOrd="0" destOrd="0" parTransId="{8AAFB291-E321-DB4D-B6D6-C650B0CD73D9}" sibTransId="{2839BF11-547B-AC46-B8F2-7C1E804CC372}"/>
-    <dgm:cxn modelId="{76195E20-7A90-2F48-8E5B-AB0E4BF4277C}" srcId="{E0895953-413D-EA40-9010-D79FE0AB8E3F}" destId="{96B75234-D76B-174D-9740-A26518A7FE40}" srcOrd="3" destOrd="0" parTransId="{E71C125F-01EB-CF47-8FE3-7FE4C88C054D}" sibTransId="{2ED66174-39D3-1747-8125-9B96727717F8}"/>
     <dgm:cxn modelId="{64FA3922-05F4-DF4A-9D99-C7D3D6E18DB9}" type="presOf" srcId="{927CFBBD-7561-3441-9293-83FC6B8C6F6D}" destId="{93AD242E-5196-0644-B8AF-125C0C321C50}" srcOrd="0" destOrd="0" presId="urn:microsoft.com/office/officeart/2005/8/layout/vList2"/>
     <dgm:cxn modelId="{AE6FD476-F591-8D47-BC30-AA261C1E31CF}" type="presOf" srcId="{276F7011-1D27-B644-B757-7CB205AE0D85}" destId="{8B14C782-AF89-0F47-9D34-C6D40538E8B7}" srcOrd="0" destOrd="6" presId="urn:microsoft.com/office/officeart/2005/8/layout/vList2"/>
     <dgm:cxn modelId="{133C7637-D5E6-2C46-A02A-267577018F22}" srcId="{96B75234-D76B-174D-9740-A26518A7FE40}" destId="{276F7011-1D27-B644-B757-7CB205AE0D85}" srcOrd="0" destOrd="0" parTransId="{65417372-67C8-0449-809E-932CD7D3A075}" sibTransId="{7423E876-EC27-C248-B18F-20432F16B5A6}"/>
@@ -6205,8 +6205,8 @@
       </dsp:nvSpPr>
       <dsp:spPr>
         <a:xfrm>
-          <a:off x="0" y="824"/>
-          <a:ext cx="8442325" cy="711360"/>
+          <a:off x="0" y="5751"/>
+          <a:ext cx="8442325" cy="673920"/>
         </a:xfrm>
         <a:prstGeom prst="roundRect">
           <a:avLst/>
@@ -6296,8 +6296,8 @@
         </a:p>
       </dsp:txBody>
       <dsp:txXfrm>
-        <a:off x="34726" y="35550"/>
-        <a:ext cx="8372873" cy="641908"/>
+        <a:off x="32898" y="38649"/>
+        <a:ext cx="8376529" cy="608124"/>
       </dsp:txXfrm>
     </dsp:sp>
     <dsp:sp modelId="{A33BF93F-4A22-BD47-B982-ED9E6DB595B6}">
@@ -6307,8 +6307,8 @@
       </dsp:nvSpPr>
       <dsp:spPr>
         <a:xfrm>
-          <a:off x="0" y="712184"/>
-          <a:ext cx="8442325" cy="766935"/>
+          <a:off x="0" y="679671"/>
+          <a:ext cx="8442325" cy="801090"/>
         </a:xfrm>
         <a:prstGeom prst="rect">
           <a:avLst/>
@@ -6376,8 +6376,8 @@
         </a:p>
       </dsp:txBody>
       <dsp:txXfrm>
-        <a:off x="0" y="712184"/>
-        <a:ext cx="8442325" cy="766935"/>
+        <a:off x="0" y="679671"/>
+        <a:ext cx="8442325" cy="801090"/>
       </dsp:txXfrm>
     </dsp:sp>
     <dsp:sp modelId="{E907E970-5DB0-ED44-ACE1-855D47AA586A}">
@@ -6387,8 +6387,8 @@
       </dsp:nvSpPr>
       <dsp:spPr>
         <a:xfrm>
-          <a:off x="0" y="1479119"/>
-          <a:ext cx="8442325" cy="711360"/>
+          <a:off x="0" y="1480761"/>
+          <a:ext cx="8442325" cy="673920"/>
         </a:xfrm>
         <a:prstGeom prst="roundRect">
           <a:avLst/>
@@ -6478,8 +6478,8 @@
         </a:p>
       </dsp:txBody>
       <dsp:txXfrm>
-        <a:off x="34726" y="1513845"/>
-        <a:ext cx="8372873" cy="641908"/>
+        <a:off x="32898" y="1513659"/>
+        <a:ext cx="8376529" cy="608124"/>
       </dsp:txXfrm>
     </dsp:sp>
     <dsp:sp modelId="{D86995FA-7988-7F43-A9EB-A6D62B20E2D5}">
@@ -6489,8 +6489,8 @@
       </dsp:nvSpPr>
       <dsp:spPr>
         <a:xfrm>
-          <a:off x="0" y="2190479"/>
-          <a:ext cx="8442325" cy="766935"/>
+          <a:off x="0" y="2154681"/>
+          <a:ext cx="8442325" cy="801090"/>
         </a:xfrm>
         <a:prstGeom prst="rect">
           <a:avLst/>
@@ -6558,8 +6558,8 @@
         </a:p>
       </dsp:txBody>
       <dsp:txXfrm>
-        <a:off x="0" y="2190479"/>
-        <a:ext cx="8442325" cy="766935"/>
+        <a:off x="0" y="2154681"/>
+        <a:ext cx="8442325" cy="801090"/>
       </dsp:txXfrm>
     </dsp:sp>
     <dsp:sp modelId="{0CDEF05D-24F6-F14A-AAB2-C23247B416CE}">
@@ -6569,8 +6569,8 @@
       </dsp:nvSpPr>
       <dsp:spPr>
         <a:xfrm>
-          <a:off x="0" y="2957414"/>
-          <a:ext cx="8442325" cy="711360"/>
+          <a:off x="0" y="2955771"/>
+          <a:ext cx="8442325" cy="673920"/>
         </a:xfrm>
         <a:prstGeom prst="roundRect">
           <a:avLst/>
@@ -6660,8 +6660,8 @@
         </a:p>
       </dsp:txBody>
       <dsp:txXfrm>
-        <a:off x="34726" y="2992140"/>
-        <a:ext cx="8372873" cy="641908"/>
+        <a:off x="32898" y="2988669"/>
+        <a:ext cx="8376529" cy="608124"/>
       </dsp:txXfrm>
     </dsp:sp>
     <dsp:sp modelId="{DBD3C224-E551-D240-AA2B-D1A316CE8069}">
@@ -6671,8 +6671,8 @@
       </dsp:nvSpPr>
       <dsp:spPr>
         <a:xfrm>
-          <a:off x="0" y="3668774"/>
-          <a:ext cx="8442325" cy="766935"/>
+          <a:off x="0" y="3629691"/>
+          <a:ext cx="8442325" cy="801090"/>
         </a:xfrm>
         <a:prstGeom prst="rect">
           <a:avLst/>
@@ -6740,8 +6740,8 @@
         </a:p>
       </dsp:txBody>
       <dsp:txXfrm>
-        <a:off x="0" y="3668774"/>
-        <a:ext cx="8442325" cy="766935"/>
+        <a:off x="0" y="3629691"/>
+        <a:ext cx="8442325" cy="801090"/>
       </dsp:txXfrm>
     </dsp:sp>
   </dsp:spTree>
@@ -6763,8 +6763,8 @@
       </dsp:nvSpPr>
       <dsp:spPr>
         <a:xfrm>
-          <a:off x="0" y="32378"/>
-          <a:ext cx="8442325" cy="1160640"/>
+          <a:off x="0" y="38992"/>
+          <a:ext cx="8442325" cy="992160"/>
         </a:xfrm>
         <a:prstGeom prst="roundRect">
           <a:avLst/>
@@ -6854,8 +6854,8 @@
         </a:p>
       </dsp:txBody>
       <dsp:txXfrm>
-        <a:off x="56658" y="89036"/>
-        <a:ext cx="8329009" cy="1047324"/>
+        <a:off x="48433" y="87425"/>
+        <a:ext cx="8345459" cy="895294"/>
       </dsp:txXfrm>
     </dsp:sp>
     <dsp:sp modelId="{8B14C782-AF89-0F47-9D34-C6D40538E8B7}">
@@ -6865,8 +6865,8 @@
       </dsp:nvSpPr>
       <dsp:spPr>
         <a:xfrm>
-          <a:off x="0" y="1193018"/>
-          <a:ext cx="8442325" cy="3465180"/>
+          <a:off x="0" y="1031152"/>
+          <a:ext cx="8442325" cy="3620430"/>
         </a:xfrm>
         <a:prstGeom prst="rect">
           <a:avLst/>
@@ -7071,8 +7071,8 @@
         </a:p>
       </dsp:txBody>
       <dsp:txXfrm>
-        <a:off x="0" y="1193018"/>
-        <a:ext cx="8442325" cy="3465180"/>
+        <a:off x="0" y="1031152"/>
+        <a:ext cx="8442325" cy="3620430"/>
       </dsp:txXfrm>
     </dsp:sp>
   </dsp:spTree>
@@ -7094,8 +7094,8 @@
       </dsp:nvSpPr>
       <dsp:spPr>
         <a:xfrm>
-          <a:off x="0" y="32378"/>
-          <a:ext cx="8442325" cy="1160640"/>
+          <a:off x="0" y="38992"/>
+          <a:ext cx="8442325" cy="992160"/>
         </a:xfrm>
         <a:prstGeom prst="roundRect">
           <a:avLst/>
@@ -7185,8 +7185,8 @@
         </a:p>
       </dsp:txBody>
       <dsp:txXfrm>
-        <a:off x="56658" y="89036"/>
-        <a:ext cx="8329009" cy="1047324"/>
+        <a:off x="48433" y="87425"/>
+        <a:ext cx="8345459" cy="895294"/>
       </dsp:txXfrm>
     </dsp:sp>
     <dsp:sp modelId="{8B14C782-AF89-0F47-9D34-C6D40538E8B7}">
@@ -7196,8 +7196,8 @@
       </dsp:nvSpPr>
       <dsp:spPr>
         <a:xfrm>
-          <a:off x="0" y="1193018"/>
-          <a:ext cx="8442325" cy="3465180"/>
+          <a:off x="0" y="1031152"/>
+          <a:ext cx="8442325" cy="3620430"/>
         </a:xfrm>
         <a:prstGeom prst="rect">
           <a:avLst/>
@@ -7402,8 +7402,8 @@
         </a:p>
       </dsp:txBody>
       <dsp:txXfrm>
-        <a:off x="0" y="1193018"/>
-        <a:ext cx="8442325" cy="3465180"/>
+        <a:off x="0" y="1031152"/>
+        <a:ext cx="8442325" cy="3620430"/>
       </dsp:txXfrm>
     </dsp:sp>
   </dsp:spTree>
@@ -7425,8 +7425,8 @@
       </dsp:nvSpPr>
       <dsp:spPr>
         <a:xfrm>
-          <a:off x="0" y="32378"/>
-          <a:ext cx="8442325" cy="1160640"/>
+          <a:off x="0" y="38992"/>
+          <a:ext cx="8442325" cy="992160"/>
         </a:xfrm>
         <a:prstGeom prst="roundRect">
           <a:avLst/>
@@ -7516,8 +7516,8 @@
         </a:p>
       </dsp:txBody>
       <dsp:txXfrm>
-        <a:off x="56658" y="89036"/>
-        <a:ext cx="8329009" cy="1047324"/>
+        <a:off x="48433" y="87425"/>
+        <a:ext cx="8345459" cy="895294"/>
       </dsp:txXfrm>
     </dsp:sp>
     <dsp:sp modelId="{8B14C782-AF89-0F47-9D34-C6D40538E8B7}">
@@ -7527,8 +7527,8 @@
       </dsp:nvSpPr>
       <dsp:spPr>
         <a:xfrm>
-          <a:off x="0" y="1193018"/>
-          <a:ext cx="8442325" cy="3465180"/>
+          <a:off x="0" y="1031152"/>
+          <a:ext cx="8442325" cy="3620430"/>
         </a:xfrm>
         <a:prstGeom prst="rect">
           <a:avLst/>
@@ -7733,8 +7733,8 @@
         </a:p>
       </dsp:txBody>
       <dsp:txXfrm>
-        <a:off x="0" y="1193018"/>
-        <a:ext cx="8442325" cy="3465180"/>
+        <a:off x="0" y="1031152"/>
+        <a:ext cx="8442325" cy="3620430"/>
       </dsp:txXfrm>
     </dsp:sp>
   </dsp:spTree>
@@ -7756,8 +7756,8 @@
       </dsp:nvSpPr>
       <dsp:spPr>
         <a:xfrm>
-          <a:off x="0" y="32378"/>
-          <a:ext cx="8442325" cy="1160640"/>
+          <a:off x="0" y="38992"/>
+          <a:ext cx="8442325" cy="992160"/>
         </a:xfrm>
         <a:prstGeom prst="roundRect">
           <a:avLst/>
@@ -7851,8 +7851,8 @@
         </a:p>
       </dsp:txBody>
       <dsp:txXfrm>
-        <a:off x="56658" y="89036"/>
-        <a:ext cx="8329009" cy="1047324"/>
+        <a:off x="48433" y="87425"/>
+        <a:ext cx="8345459" cy="895294"/>
       </dsp:txXfrm>
     </dsp:sp>
     <dsp:sp modelId="{8B14C782-AF89-0F47-9D34-C6D40538E8B7}">
@@ -7862,8 +7862,8 @@
       </dsp:nvSpPr>
       <dsp:spPr>
         <a:xfrm>
-          <a:off x="0" y="1193018"/>
-          <a:ext cx="8442325" cy="3465180"/>
+          <a:off x="0" y="1031152"/>
+          <a:ext cx="8442325" cy="3620430"/>
         </a:xfrm>
         <a:prstGeom prst="rect">
           <a:avLst/>
@@ -8068,8 +8068,8 @@
         </a:p>
       </dsp:txBody>
       <dsp:txXfrm>
-        <a:off x="0" y="1193018"/>
-        <a:ext cx="8442325" cy="3465180"/>
+        <a:off x="0" y="1031152"/>
+        <a:ext cx="8442325" cy="3620430"/>
       </dsp:txXfrm>
     </dsp:sp>
   </dsp:spTree>
@@ -14164,7 +14164,7 @@
             <a:fld id="{3ACDA2C4-2F6D-B046-ACF4-04F0ED078194}" type="datetimeFigureOut">
               <a:rPr lang="es-ES_tradnl" smtClean="0"/>
               <a:pPr/>
-              <a:t>24/02/2014</a:t>
+              <a:t>24/02/14</a:t>
             </a:fld>
             <a:endParaRPr lang="es-ES_tradnl"/>
           </a:p>
@@ -14231,7 +14231,7 @@
             <a:fld id="{B50EC829-9FD3-BB48-9A3E-8801DDC45286}" type="slidenum">
               <a:rPr lang="es-ES_tradnl" smtClean="0"/>
               <a:pPr/>
-              <a:t>‹Nº›</a:t>
+              <a:t>‹Nr.›</a:t>
             </a:fld>
             <a:endParaRPr lang="es-ES_tradnl"/>
           </a:p>
@@ -14559,7 +14559,7 @@
               <a:pPr>
                 <a:defRPr/>
               </a:pPr>
-              <a:t>‹Nº›</a:t>
+              <a:t>‹Nr.›</a:t>
             </a:fld>
             <a:endParaRPr lang="en-US"/>
           </a:p>
@@ -15185,7 +15185,7 @@
               <a:pPr>
                 <a:defRPr/>
               </a:pPr>
-              <a:t>24 February 2014</a:t>
+              <a:t>24 febrero 2014</a:t>
             </a:fld>
             <a:endParaRPr lang="en-US"/>
           </a:p>
@@ -15244,7 +15244,7 @@
   <p:clrMapOvr>
     <a:masterClrMapping/>
   </p:clrMapOvr>
-  <p:transition>
+  <p:transition xmlns:p14="http://schemas.microsoft.com/office/powerpoint/2010/main">
     <p:fade/>
   </p:transition>
 </p:sldLayout>
@@ -15371,7 +15371,7 @@
               <a:pPr>
                 <a:defRPr/>
               </a:pPr>
-              <a:t>‹Nº›</a:t>
+              <a:t>‹Nr.›</a:t>
             </a:fld>
             <a:endParaRPr lang="en-US"/>
           </a:p>
@@ -15382,7 +15382,7 @@
   <p:clrMapOvr>
     <a:masterClrMapping/>
   </p:clrMapOvr>
-  <p:transition>
+  <p:transition xmlns:p14="http://schemas.microsoft.com/office/powerpoint/2010/main">
     <p:fade/>
   </p:transition>
 </p:sldLayout>
@@ -15519,7 +15519,7 @@
               <a:pPr>
                 <a:defRPr/>
               </a:pPr>
-              <a:t>‹Nº›</a:t>
+              <a:t>‹Nr.›</a:t>
             </a:fld>
             <a:endParaRPr lang="en-US"/>
           </a:p>
@@ -15530,7 +15530,7 @@
   <p:clrMapOvr>
     <a:masterClrMapping/>
   </p:clrMapOvr>
-  <p:transition>
+  <p:transition xmlns:p14="http://schemas.microsoft.com/office/powerpoint/2010/main">
     <p:fade/>
   </p:transition>
 </p:sldLayout>
@@ -15692,7 +15692,7 @@
               <a:pPr>
                 <a:defRPr/>
               </a:pPr>
-              <a:t>‹Nº›</a:t>
+              <a:t>‹Nr.›</a:t>
             </a:fld>
             <a:endParaRPr lang="en-US"/>
           </a:p>
@@ -15703,7 +15703,7 @@
   <p:clrMapOvr>
     <a:masterClrMapping/>
   </p:clrMapOvr>
-  <p:transition>
+  <p:transition xmlns:p14="http://schemas.microsoft.com/office/powerpoint/2010/main">
     <p:fade/>
   </p:transition>
 </p:sldLayout>
@@ -16850,7 +16850,7 @@
               <a:pPr>
                 <a:defRPr/>
               </a:pPr>
-              <a:t>‹Nº›</a:t>
+              <a:t>‹Nr.›</a:t>
             </a:fld>
             <a:endParaRPr lang="en-US"/>
           </a:p>
@@ -16861,7 +16861,7 @@
   <p:clrMapOvr>
     <a:masterClrMapping/>
   </p:clrMapOvr>
-  <p:transition>
+  <p:transition xmlns:p14="http://schemas.microsoft.com/office/powerpoint/2010/main">
     <p:fade/>
   </p:transition>
 </p:sldLayout>
@@ -17634,7 +17634,7 @@
               <a:pPr>
                 <a:defRPr/>
               </a:pPr>
-              <a:t>‹Nº›</a:t>
+              <a:t>‹Nr.›</a:t>
             </a:fld>
             <a:endParaRPr lang="en-US"/>
           </a:p>
@@ -17645,7 +17645,7 @@
   <p:clrMapOvr>
     <a:masterClrMapping/>
   </p:clrMapOvr>
-  <p:transition>
+  <p:transition xmlns:p14="http://schemas.microsoft.com/office/powerpoint/2010/main">
     <p:fade/>
   </p:transition>
 </p:sldLayout>
@@ -17890,7 +17890,7 @@
               <a:pPr>
                 <a:defRPr/>
               </a:pPr>
-              <a:t>‹Nº›</a:t>
+              <a:t>‹Nr.›</a:t>
             </a:fld>
             <a:endParaRPr lang="en-US"/>
           </a:p>
@@ -17901,7 +17901,7 @@
   <p:clrMapOvr>
     <a:masterClrMapping/>
   </p:clrMapOvr>
-  <p:transition>
+  <p:transition xmlns:p14="http://schemas.microsoft.com/office/powerpoint/2010/main">
     <p:fade/>
   </p:transition>
 </p:sldLayout>
@@ -18285,7 +18285,7 @@
               <a:pPr>
                 <a:defRPr/>
               </a:pPr>
-              <a:t>‹Nº›</a:t>
+              <a:t>‹Nr.›</a:t>
             </a:fld>
             <a:endParaRPr lang="en-US"/>
           </a:p>
@@ -18296,7 +18296,7 @@
   <p:clrMapOvr>
     <a:masterClrMapping/>
   </p:clrMapOvr>
-  <p:transition>
+  <p:transition xmlns:p14="http://schemas.microsoft.com/office/powerpoint/2010/main">
     <p:fade/>
   </p:transition>
 </p:sldLayout>
@@ -18371,7 +18371,7 @@
               <a:pPr>
                 <a:defRPr/>
               </a:pPr>
-              <a:t>‹Nº›</a:t>
+              <a:t>‹Nr.›</a:t>
             </a:fld>
             <a:endParaRPr lang="en-US"/>
           </a:p>
@@ -18382,7 +18382,7 @@
   <p:clrMapOvr>
     <a:masterClrMapping/>
   </p:clrMapOvr>
-  <p:transition>
+  <p:transition xmlns:p14="http://schemas.microsoft.com/office/powerpoint/2010/main">
     <p:fade/>
   </p:transition>
 </p:sldLayout>
@@ -18434,7 +18434,7 @@
               <a:pPr>
                 <a:defRPr/>
               </a:pPr>
-              <a:t>‹Nº›</a:t>
+              <a:t>‹Nr.›</a:t>
             </a:fld>
             <a:endParaRPr lang="en-US"/>
           </a:p>
@@ -18445,7 +18445,7 @@
   <p:clrMapOvr>
     <a:masterClrMapping/>
   </p:clrMapOvr>
-  <p:transition>
+  <p:transition xmlns:p14="http://schemas.microsoft.com/office/powerpoint/2010/main">
     <p:fade/>
   </p:transition>
 </p:sldLayout>
@@ -18679,7 +18679,7 @@
               <a:pPr>
                 <a:defRPr/>
               </a:pPr>
-              <a:t>‹Nº›</a:t>
+              <a:t>‹Nr.›</a:t>
             </a:fld>
             <a:endParaRPr lang="en-US"/>
           </a:p>
@@ -18690,7 +18690,7 @@
   <p:clrMapOvr>
     <a:masterClrMapping/>
   </p:clrMapOvr>
-  <p:transition>
+  <p:transition xmlns:p14="http://schemas.microsoft.com/office/powerpoint/2010/main">
     <p:fade/>
   </p:transition>
 </p:sldLayout>
@@ -18901,7 +18901,7 @@
               <a:pPr>
                 <a:defRPr/>
               </a:pPr>
-              <a:t>‹Nº›</a:t>
+              <a:t>‹Nr.›</a:t>
             </a:fld>
             <a:endParaRPr lang="en-US"/>
           </a:p>
@@ -18912,7 +18912,7 @@
   <p:clrMapOvr>
     <a:masterClrMapping/>
   </p:clrMapOvr>
-  <p:transition>
+  <p:transition xmlns:p14="http://schemas.microsoft.com/office/powerpoint/2010/main">
     <p:fade/>
   </p:transition>
 </p:sldLayout>
@@ -19107,7 +19107,7 @@
               <a:pPr>
                 <a:defRPr/>
               </a:pPr>
-              <a:t>‹Nº›</a:t>
+              <a:t>‹Nr.›</a:t>
             </a:fld>
             <a:endParaRPr lang="en-US"/>
           </a:p>
@@ -19161,7 +19161,7 @@
                 </a:spcBef>
                 <a:defRPr/>
               </a:pPr>
-              <a:t>24 February 2014</a:t>
+              <a:t>24 febrero 2014</a:t>
             </a:fld>
             <a:endParaRPr lang="en-US" sz="900">
               <a:solidFill>
@@ -19219,7 +19219,7 @@
     <p:sldLayoutId id="2147483659" r:id="rId11"/>
     <p:sldLayoutId id="2147483660" r:id="rId12"/>
   </p:sldLayoutIdLst>
-  <p:transition>
+  <p:transition xmlns:p14="http://schemas.microsoft.com/office/powerpoint/2010/main">
     <p:fade/>
   </p:transition>
   <p:hf hdr="0" ftr="0"/>
@@ -20604,7 +20604,7 @@
         </p:nvSpPr>
         <p:spPr>
           <a:xfrm>
-            <a:off x="469899" y="3282949"/>
+            <a:off x="486832" y="4502119"/>
             <a:ext cx="8149168" cy="2034117"/>
           </a:xfrm>
         </p:spPr>
@@ -20623,7 +20623,7 @@
                   </a:schemeClr>
                 </a:solidFill>
               </a:rPr>
-              <a:t>&lt;&lt;Nombre Profesional en Formación&gt;&gt;</a:t>
+              <a:t>Jhonny  Zaruma</a:t>
             </a:r>
             <a:br>
               <a:rPr lang="es-ES" sz="2300" b="1" dirty="0" smtClean="0">
@@ -20662,7 +20662,40 @@
                   </a:schemeClr>
                 </a:solidFill>
               </a:rPr>
-              <a:t>Tutor: &lt;&lt;Nombre Tutor Principal&gt;&gt;</a:t>
+              <a:t>Tutor: </a:t>
+            </a:r>
+            <a:r>
+              <a:rPr lang="es-ES" sz="2300" dirty="0" smtClean="0">
+                <a:solidFill>
+                  <a:schemeClr val="tx1">
+                    <a:lumMod val="50000"/>
+                    <a:lumOff val="50000"/>
+                  </a:schemeClr>
+                </a:solidFill>
+              </a:rPr>
+              <a:t>Ing.</a:t>
+            </a:r>
+            <a:r>
+              <a:rPr lang="es-ES" sz="2300" b="1" dirty="0" smtClean="0">
+                <a:solidFill>
+                  <a:schemeClr val="tx1">
+                    <a:lumMod val="50000"/>
+                    <a:lumOff val="50000"/>
+                  </a:schemeClr>
+                </a:solidFill>
+              </a:rPr>
+              <a:t> Nelson Piedra</a:t>
+            </a:r>
+            <a:r>
+              <a:rPr lang="es-ES" sz="2300" b="1" dirty="0" smtClean="0">
+                <a:solidFill>
+                  <a:schemeClr val="tx1">
+                    <a:lumMod val="50000"/>
+                    <a:lumOff val="50000"/>
+                  </a:schemeClr>
+                </a:solidFill>
+              </a:rPr>
+              <a:t/>
             </a:r>
             <a:br>
               <a:rPr lang="es-ES" sz="2300" b="1" dirty="0" smtClean="0">
@@ -20704,7 +20737,7 @@
                   </a:schemeClr>
                 </a:solidFill>
               </a:rPr>
-              <a:t>&lt;&lt;Fecha&gt;&gt;</a:t>
+              <a:t>25-02-2014</a:t>
             </a:r>
             <a:r>
               <a:rPr lang="es-ES" sz="4000" b="1" i="1" dirty="0" smtClean="0">
@@ -20866,7 +20899,7 @@
         </p:nvSpPr>
         <p:spPr bwMode="auto">
           <a:xfrm>
-            <a:off x="575723" y="1471070"/>
+            <a:off x="592657" y="1318670"/>
             <a:ext cx="7840134" cy="933463"/>
           </a:xfrm>
           <a:prstGeom prst="rect">
@@ -20919,7 +20952,7 @@
         </p:nvSpPr>
         <p:spPr bwMode="auto">
           <a:xfrm>
-            <a:off x="626526" y="2503990"/>
+            <a:off x="778926" y="-2203476"/>
             <a:ext cx="7840134" cy="645583"/>
           </a:xfrm>
           <a:prstGeom prst="rect">
@@ -20954,7 +20987,178 @@
                 </a:effectLst>
                 <a:latin typeface="Times CE" pitchFamily="-109" charset="-18"/>
               </a:rPr>
-              <a:t>&lt;&lt;Titulo Proyecto Fin de Carrera&gt;&gt;</a:t>
+              <a:t>&lt;&lt;Titulo </a:t>
+            </a:r>
+            <a:r>
+              <a:rPr lang="es-ES" sz="2800" b="1" dirty="0" err="1" smtClean="0">
+                <a:solidFill>
+                  <a:schemeClr val="accent1">
+                    <a:lumMod val="75000"/>
+                  </a:schemeClr>
+                </a:solidFill>
+                <a:effectLst>
+                  <a:outerShdw blurRad="38100" dist="38100" dir="2700000" algn="tl">
+                    <a:srgbClr val="C0C0C0"/>
+                  </a:outerShdw>
+                </a:effectLst>
+                <a:latin typeface="Times CE" pitchFamily="-109" charset="-18"/>
+              </a:rPr>
+              <a:t>Prxoyecto</a:t>
+            </a:r>
+            <a:r>
+              <a:rPr lang="es-ES" sz="2800" b="1" dirty="0" smtClean="0">
+                <a:solidFill>
+                  <a:schemeClr val="accent1">
+                    <a:lumMod val="75000"/>
+                  </a:schemeClr>
+                </a:solidFill>
+                <a:effectLst>
+                  <a:outerShdw blurRad="38100" dist="38100" dir="2700000" algn="tl">
+                    <a:srgbClr val="C0C0C0"/>
+                  </a:outerShdw>
+                </a:effectLst>
+                <a:latin typeface="Times CE" pitchFamily="-109" charset="-18"/>
+              </a:rPr>
+              <a:t> </a:t>
+            </a:r>
+            <a:r>
+              <a:rPr lang="es-ES" sz="2800" b="1" dirty="0" smtClean="0">
+                <a:solidFill>
+                  <a:schemeClr val="accent1">
+                    <a:lumMod val="75000"/>
+                  </a:schemeClr>
+                </a:solidFill>
+                <a:effectLst>
+                  <a:outerShdw blurRad="38100" dist="38100" dir="2700000" algn="tl">
+                    <a:srgbClr val="C0C0C0"/>
+                  </a:outerShdw>
+                </a:effectLst>
+                <a:latin typeface="Times CE" pitchFamily="-109" charset="-18"/>
+              </a:rPr>
+              <a:t>Fin de Carrera&gt;</a:t>
+            </a:r>
+            <a:r>
+              <a:rPr lang="es-ES" sz="2800" b="1" dirty="0" smtClean="0">
+                <a:solidFill>
+                  <a:schemeClr val="accent1">
+                    <a:lumMod val="75000"/>
+                  </a:schemeClr>
+                </a:solidFill>
+                <a:effectLst>
+                  <a:outerShdw blurRad="38100" dist="38100" dir="2700000" algn="tl">
+                    <a:srgbClr val="C0C0C0"/>
+                  </a:outerShdw>
+                </a:effectLst>
+                <a:latin typeface="Times CE" pitchFamily="-109" charset="-18"/>
+              </a:rPr>
+              <a:t>&gt;</a:t>
+            </a:r>
+          </a:p>
+          <a:p>
+            <a:pPr algn="ctr">
+              <a:defRPr/>
+            </a:pPr>
+            <a:endParaRPr lang="es-ES" sz="2800" b="1" dirty="0">
+              <a:solidFill>
+                <a:schemeClr val="accent1">
+                  <a:lumMod val="75000"/>
+                </a:schemeClr>
+              </a:solidFill>
+              <a:effectLst>
+                <a:outerShdw blurRad="38100" dist="38100" dir="2700000" algn="tl">
+                  <a:srgbClr val="C0C0C0"/>
+                </a:outerShdw>
+              </a:effectLst>
+              <a:latin typeface="Times CE" pitchFamily="-109" charset="-18"/>
+            </a:endParaRPr>
+          </a:p>
+        </p:txBody>
+      </p:sp>
+      <p:sp>
+        <p:nvSpPr>
+          <p:cNvPr id="2" name="Rectángulo 1"/>
+          <p:cNvSpPr/>
+          <p:nvPr/>
+        </p:nvSpPr>
+        <p:spPr>
+          <a:xfrm>
+            <a:off x="3826933" y="5318036"/>
+            <a:ext cx="4572000" cy="3108544"/>
+          </a:xfrm>
+          <a:prstGeom prst="rect">
+            <a:avLst/>
+          </a:prstGeom>
+          <a:noFill/>
+          <a:ln w="9525">
+            <a:noFill/>
+            <a:miter lim="800000"/>
+            <a:headEnd/>
+            <a:tailEnd/>
+          </a:ln>
+        </p:spPr>
+        <p:txBody>
+          <a:bodyPr anchor="ctr"/>
+          <a:lstStyle/>
+          <a:p>
+            <a:pPr algn="ctr"/>
+            <a:endParaRPr lang="es-ES" sz="2800" b="1" dirty="0">
+              <a:solidFill>
+                <a:schemeClr val="accent1">
+                  <a:lumMod val="75000"/>
+                </a:schemeClr>
+              </a:solidFill>
+              <a:effectLst>
+                <a:outerShdw blurRad="38100" dist="38100" dir="2700000" algn="tl">
+                  <a:srgbClr val="C0C0C0"/>
+                </a:outerShdw>
+              </a:effectLst>
+              <a:latin typeface="Times CE" pitchFamily="-109" charset="-18"/>
+            </a:endParaRPr>
+          </a:p>
+        </p:txBody>
+      </p:sp>
+      <p:sp>
+        <p:nvSpPr>
+          <p:cNvPr id="3" name="Rectángulo 2"/>
+          <p:cNvSpPr/>
+          <p:nvPr/>
+        </p:nvSpPr>
+        <p:spPr>
+          <a:xfrm>
+            <a:off x="745066" y="2188397"/>
+            <a:ext cx="7738534" cy="2246769"/>
+          </a:xfrm>
+          <a:prstGeom prst="rect">
+            <a:avLst/>
+          </a:prstGeom>
+          <a:noFill/>
+          <a:ln w="9525">
+            <a:noFill/>
+            <a:miter lim="800000"/>
+            <a:headEnd/>
+            <a:tailEnd/>
+          </a:ln>
+        </p:spPr>
+        <p:txBody>
+          <a:bodyPr anchor="ctr"/>
+          <a:lstStyle/>
+          <a:p>
+            <a:pPr algn="ctr"/>
+            <a:r>
+              <a:rPr lang="es-ES_tradnl" sz="2800" b="1" dirty="0">
+                <a:solidFill>
+                  <a:schemeClr val="accent1">
+                    <a:lumMod val="75000"/>
+                  </a:schemeClr>
+                </a:solidFill>
+                <a:effectLst>
+                  <a:outerShdw blurRad="38100" dist="38100" dir="2700000" algn="tl">
+                    <a:srgbClr val="C0C0C0"/>
+                  </a:outerShdw>
+                </a:effectLst>
+                <a:latin typeface="Times CE" pitchFamily="-109" charset="-18"/>
+              </a:rPr>
+              <a:t>Servicios Web para Extracción de Entidades desde Contenido HTML. Piloto en sitios con recursos abiertos OCW</a:t>
             </a:r>
             <a:endParaRPr lang="es-ES" sz="2800" b="1" dirty="0">
               <a:solidFill>
@@ -20977,13 +21181,13 @@
   <p:clrMapOvr>
     <a:masterClrMapping/>
   </p:clrMapOvr>
-  <p:transition>
+  <p:transition xmlns:p14="http://schemas.microsoft.com/office/powerpoint/2010/main">
     <p:fade/>
   </p:transition>
   <p:timing>
     <p:tnLst>
       <p:par>
-        <p:cTn id="1" dur="indefinite" restart="never" nodeType="tmRoot"/>
+        <p:cTn xmlns:p14="http://schemas.microsoft.com/office/powerpoint/2010/main" id="1" dur="indefinite" restart="never" nodeType="tmRoot"/>
       </p:par>
     </p:tnLst>
   </p:timing>
@@ -21084,7 +21288,7 @@
   <p:clrMapOvr>
     <a:masterClrMapping/>
   </p:clrMapOvr>
-  <p:transition>
+  <p:transition xmlns:p14="http://schemas.microsoft.com/office/powerpoint/2010/main">
     <p:fade/>
   </p:transition>
 </p:sld>
@@ -21184,7 +21388,7 @@
   <p:clrMapOvr>
     <a:masterClrMapping/>
   </p:clrMapOvr>
-  <p:transition>
+  <p:transition xmlns:p14="http://schemas.microsoft.com/office/powerpoint/2010/main">
     <p:fade/>
   </p:transition>
 </p:sld>
@@ -21284,7 +21488,7 @@
   <p:clrMapOvr>
     <a:masterClrMapping/>
   </p:clrMapOvr>
-  <p:transition>
+  <p:transition xmlns:p14="http://schemas.microsoft.com/office/powerpoint/2010/main">
     <p:fade/>
   </p:transition>
 </p:sld>
@@ -21355,13 +21559,13 @@
   <p:clrMapOvr>
     <a:masterClrMapping/>
   </p:clrMapOvr>
-  <p:transition>
+  <p:transition xmlns:p14="http://schemas.microsoft.com/office/powerpoint/2010/main">
     <p:fade/>
   </p:transition>
   <p:timing>
     <p:tnLst>
       <p:par>
-        <p:cTn id="1" dur="indefinite" restart="never" nodeType="tmRoot"/>
+        <p:cTn xmlns:p14="http://schemas.microsoft.com/office/powerpoint/2010/main" id="1" dur="indefinite" restart="never" nodeType="tmRoot"/>
       </p:par>
     </p:tnLst>
   </p:timing>
@@ -21450,13 +21654,13 @@
   <p:clrMapOvr>
     <a:masterClrMapping/>
   </p:clrMapOvr>
-  <p:transition>
+  <p:transition xmlns:p14="http://schemas.microsoft.com/office/powerpoint/2010/main">
     <p:fade/>
   </p:transition>
   <p:timing>
     <p:tnLst>
       <p:par>
-        <p:cTn id="1" dur="indefinite" restart="never" nodeType="tmRoot"/>
+        <p:cTn xmlns:p14="http://schemas.microsoft.com/office/powerpoint/2010/main" id="1" dur="indefinite" restart="never" nodeType="tmRoot"/>
       </p:par>
     </p:tnLst>
   </p:timing>
@@ -21578,7 +21782,7 @@
   <p:clrMapOvr>
     <a:masterClrMapping/>
   </p:clrMapOvr>
-  <p:transition>
+  <p:transition xmlns:p14="http://schemas.microsoft.com/office/powerpoint/2010/main">
     <p:fade/>
   </p:transition>
 </p:sld>
@@ -21681,7 +21885,7 @@
   <p:clrMapOvr>
     <a:masterClrMapping/>
   </p:clrMapOvr>
-  <p:transition>
+  <p:transition xmlns:p14="http://schemas.microsoft.com/office/powerpoint/2010/main">
     <p:fade/>
   </p:transition>
 </p:sld>
@@ -21821,7 +22025,7 @@
   <p:clrMapOvr>
     <a:masterClrMapping/>
   </p:clrMapOvr>
-  <p:transition>
+  <p:transition xmlns:p14="http://schemas.microsoft.com/office/powerpoint/2010/main">
     <p:fade/>
   </p:transition>
 </p:sld>
@@ -21963,7 +22167,7 @@
   <p:clrMapOvr>
     <a:masterClrMapping/>
   </p:clrMapOvr>
-  <p:transition>
+  <p:transition xmlns:p14="http://schemas.microsoft.com/office/powerpoint/2010/main">
     <p:fade/>
   </p:transition>
 </p:sld>
@@ -22068,7 +22272,7 @@
   <p:clrMapOvr>
     <a:masterClrMapping/>
   </p:clrMapOvr>
-  <p:transition>
+  <p:transition xmlns:p14="http://schemas.microsoft.com/office/powerpoint/2010/main">
     <p:fade/>
   </p:transition>
 </p:sld>
@@ -22168,7 +22372,7 @@
   <p:clrMapOvr>
     <a:masterClrMapping/>
   </p:clrMapOvr>
-  <p:transition>
+  <p:transition xmlns:p14="http://schemas.microsoft.com/office/powerpoint/2010/main">
     <p:fade/>
   </p:transition>
 </p:sld>
@@ -22268,7 +22472,7 @@
   <p:clrMapOvr>
     <a:masterClrMapping/>
   </p:clrMapOvr>
-  <p:transition>
+  <p:transition xmlns:p14="http://schemas.microsoft.com/office/powerpoint/2010/main">
     <p:fade/>
   </p:transition>
 </p:sld>
@@ -22368,7 +22572,7 @@
   <p:clrMapOvr>
     <a:masterClrMapping/>
   </p:clrMapOvr>
-  <p:transition>
+  <p:transition xmlns:p14="http://schemas.microsoft.com/office/powerpoint/2010/main">
     <p:fade/>
   </p:transition>
 </p:sld>

--- a/PlantillaPresetnacionPracticum_4.1.pptx
+++ b/PlantillaPresetnacionPracticum_4.1.pptx
@@ -28,7 +28,7 @@
     <p:sldId id="350" r:id="rId16"/>
   </p:sldIdLst>
   <p:sldSz cx="9144000" cy="6858000" type="screen4x3"/>
-  <p:notesSz cx="6797675" cy="9926638"/>
+  <p:notesSz cx="9926638" cy="6797675"/>
   <p:defaultTextStyle>
     <a:defPPr>
       <a:defRPr lang="en-US"/>
@@ -4350,25 +4350,25 @@
     </dgm:pt>
   </dgm:ptLst>
   <dgm:cxnLst>
-    <dgm:cxn modelId="{9979A3A3-7521-9D4B-A267-EBEDC124CAC5}" srcId="{927CFBBD-7561-3441-9293-83FC6B8C6F6D}" destId="{EA311203-FF31-764D-BA8C-692C8C262239}" srcOrd="2" destOrd="0" parTransId="{D49EAE68-9307-DB4A-A725-7C160720A43A}" sibTransId="{9AF8A73C-7D74-5B41-8335-1DFEC0B62A87}"/>
+    <dgm:cxn modelId="{37A9E8F8-D508-6D49-B412-828E977898EC}" type="presOf" srcId="{63F9090A-6549-0545-84AA-0D2DA9FBC096}" destId="{D86995FA-7988-7F43-A9EB-A6D62B20E2D5}" srcOrd="0" destOrd="1" presId="urn:microsoft.com/office/officeart/2005/8/layout/vList2"/>
     <dgm:cxn modelId="{2E592EBF-6F6C-B848-B690-4FC8FAE11571}" type="presOf" srcId="{E0895953-413D-EA40-9010-D79FE0AB8E3F}" destId="{431B1631-8A73-8948-8367-E15382D6D97A}" srcOrd="0" destOrd="0" presId="urn:microsoft.com/office/officeart/2005/8/layout/vList2"/>
+    <dgm:cxn modelId="{D6577CFD-B203-4A46-923E-4A0E4BFE1CCA}" srcId="{927CFBBD-7561-3441-9293-83FC6B8C6F6D}" destId="{DDE15867-3C8B-5D43-A30E-7EA15E339988}" srcOrd="1" destOrd="0" parTransId="{E5145357-9447-4046-B0AA-CE9609B6F9D6}" sibTransId="{38A681F6-7826-104E-88B0-183044E4D255}"/>
+    <dgm:cxn modelId="{E01CC956-A713-FC4D-A38D-1C6B23E24666}" srcId="{DDE15867-3C8B-5D43-A30E-7EA15E339988}" destId="{92BFF5F7-5F7D-2E48-855A-ABD8D68F5A9F}" srcOrd="0" destOrd="0" parTransId="{5C310C28-2B3A-B542-A7BB-F27F25EE9A53}" sibTransId="{93FA8EFE-C910-CE42-BE26-468525015BDC}"/>
+    <dgm:cxn modelId="{F31B04D8-DED1-9E4F-9565-CAFDD35C170C}" srcId="{DDE15867-3C8B-5D43-A30E-7EA15E339988}" destId="{63F9090A-6549-0545-84AA-0D2DA9FBC096}" srcOrd="1" destOrd="0" parTransId="{6F2AE2FF-180C-6348-B527-119951BD210D}" sibTransId="{12465072-4FF0-0342-97E5-2A7E6A91AF59}"/>
     <dgm:cxn modelId="{C11FFD50-EE57-9941-9EE7-9E5543B75D37}" type="presOf" srcId="{EA311203-FF31-764D-BA8C-692C8C262239}" destId="{0CDEF05D-24F6-F14A-AAB2-C23247B416CE}" srcOrd="0" destOrd="0" presId="urn:microsoft.com/office/officeart/2005/8/layout/vList2"/>
+    <dgm:cxn modelId="{1E1FAA53-6646-E847-87EB-EA447A460F76}" srcId="{927CFBBD-7561-3441-9293-83FC6B8C6F6D}" destId="{E0895953-413D-EA40-9010-D79FE0AB8E3F}" srcOrd="0" destOrd="0" parTransId="{E1D4A0E2-3747-D64D-936F-93E38018B35F}" sibTransId="{E16724E5-1FA4-354F-9542-B610759A7E54}"/>
+    <dgm:cxn modelId="{AC385719-94EB-3E4F-9728-50556D6F0067}" type="presOf" srcId="{E38E36DC-8476-8648-95EA-7EC93365B916}" destId="{A33BF93F-4A22-BD47-B982-ED9E6DB595B6}" srcOrd="0" destOrd="1" presId="urn:microsoft.com/office/officeart/2005/8/layout/vList2"/>
+    <dgm:cxn modelId="{C60603E3-671B-F245-9A84-C3EBD9AF82EC}" srcId="{EA311203-FF31-764D-BA8C-692C8C262239}" destId="{B412106C-86EA-AE45-BA82-EF6AEDD1C0B1}" srcOrd="1" destOrd="0" parTransId="{D4354B2F-C94E-8245-81CA-2DFE448BD4D8}" sibTransId="{B7F589A9-7AA8-7B45-807C-0D9475BAEBFC}"/>
+    <dgm:cxn modelId="{53ADA91A-8D7D-7C4D-B064-949C310C387E}" srcId="{EA311203-FF31-764D-BA8C-692C8C262239}" destId="{62D99AE4-E350-0C45-93C9-3C2E0D0B4208}" srcOrd="0" destOrd="0" parTransId="{E3B799B9-9DDB-4248-8E78-1C1CDD312FDD}" sibTransId="{74C050F9-3CDD-224A-B1EC-3542028A7B52}"/>
+    <dgm:cxn modelId="{EA88BF92-93A5-784D-AEE8-F56DEB8F67AC}" type="presOf" srcId="{406419E1-0FFF-354F-A0D0-2719B35FB9C6}" destId="{A33BF93F-4A22-BD47-B982-ED9E6DB595B6}" srcOrd="0" destOrd="0" presId="urn:microsoft.com/office/officeart/2005/8/layout/vList2"/>
+    <dgm:cxn modelId="{8A59AAF6-C36C-B24D-9715-DE5D94F8D180}" srcId="{E0895953-413D-EA40-9010-D79FE0AB8E3F}" destId="{E38E36DC-8476-8648-95EA-7EC93365B916}" srcOrd="1" destOrd="0" parTransId="{2E419D6C-5DFE-C94C-864E-B12C0008B28B}" sibTransId="{34FB6567-8C44-604A-83DA-200AC62F80AC}"/>
     <dgm:cxn modelId="{8AF37D57-7247-974A-868F-58A86453A475}" type="presOf" srcId="{B412106C-86EA-AE45-BA82-EF6AEDD1C0B1}" destId="{DBD3C224-E551-D240-AA2B-D1A316CE8069}" srcOrd="0" destOrd="1" presId="urn:microsoft.com/office/officeart/2005/8/layout/vList2"/>
-    <dgm:cxn modelId="{F31B04D8-DED1-9E4F-9565-CAFDD35C170C}" srcId="{DDE15867-3C8B-5D43-A30E-7EA15E339988}" destId="{63F9090A-6549-0545-84AA-0D2DA9FBC096}" srcOrd="1" destOrd="0" parTransId="{6F2AE2FF-180C-6348-B527-119951BD210D}" sibTransId="{12465072-4FF0-0342-97E5-2A7E6A91AF59}"/>
-    <dgm:cxn modelId="{1E1FAA53-6646-E847-87EB-EA447A460F76}" srcId="{927CFBBD-7561-3441-9293-83FC6B8C6F6D}" destId="{E0895953-413D-EA40-9010-D79FE0AB8E3F}" srcOrd="0" destOrd="0" parTransId="{E1D4A0E2-3747-D64D-936F-93E38018B35F}" sibTransId="{E16724E5-1FA4-354F-9542-B610759A7E54}"/>
-    <dgm:cxn modelId="{53ADA91A-8D7D-7C4D-B064-949C310C387E}" srcId="{EA311203-FF31-764D-BA8C-692C8C262239}" destId="{62D99AE4-E350-0C45-93C9-3C2E0D0B4208}" srcOrd="0" destOrd="0" parTransId="{E3B799B9-9DDB-4248-8E78-1C1CDD312FDD}" sibTransId="{74C050F9-3CDD-224A-B1EC-3542028A7B52}"/>
-    <dgm:cxn modelId="{D6577CFD-B203-4A46-923E-4A0E4BFE1CCA}" srcId="{927CFBBD-7561-3441-9293-83FC6B8C6F6D}" destId="{DDE15867-3C8B-5D43-A30E-7EA15E339988}" srcOrd="1" destOrd="0" parTransId="{E5145357-9447-4046-B0AA-CE9609B6F9D6}" sibTransId="{38A681F6-7826-104E-88B0-183044E4D255}"/>
-    <dgm:cxn modelId="{8A59AAF6-C36C-B24D-9715-DE5D94F8D180}" srcId="{E0895953-413D-EA40-9010-D79FE0AB8E3F}" destId="{E38E36DC-8476-8648-95EA-7EC93365B916}" srcOrd="1" destOrd="0" parTransId="{2E419D6C-5DFE-C94C-864E-B12C0008B28B}" sibTransId="{34FB6567-8C44-604A-83DA-200AC62F80AC}"/>
-    <dgm:cxn modelId="{926FF674-AC38-1541-8923-1B5C1C27175A}" type="presOf" srcId="{927CFBBD-7561-3441-9293-83FC6B8C6F6D}" destId="{CC70B8A7-1F3F-8C41-9594-C9064B821710}" srcOrd="0" destOrd="0" presId="urn:microsoft.com/office/officeart/2005/8/layout/vList2"/>
-    <dgm:cxn modelId="{37A9E8F8-D508-6D49-B412-828E977898EC}" type="presOf" srcId="{63F9090A-6549-0545-84AA-0D2DA9FBC096}" destId="{D86995FA-7988-7F43-A9EB-A6D62B20E2D5}" srcOrd="0" destOrd="1" presId="urn:microsoft.com/office/officeart/2005/8/layout/vList2"/>
-    <dgm:cxn modelId="{E01CC956-A713-FC4D-A38D-1C6B23E24666}" srcId="{DDE15867-3C8B-5D43-A30E-7EA15E339988}" destId="{92BFF5F7-5F7D-2E48-855A-ABD8D68F5A9F}" srcOrd="0" destOrd="0" parTransId="{5C310C28-2B3A-B542-A7BB-F27F25EE9A53}" sibTransId="{93FA8EFE-C910-CE42-BE26-468525015BDC}"/>
-    <dgm:cxn modelId="{EA88BF92-93A5-784D-AEE8-F56DEB8F67AC}" type="presOf" srcId="{406419E1-0FFF-354F-A0D0-2719B35FB9C6}" destId="{A33BF93F-4A22-BD47-B982-ED9E6DB595B6}" srcOrd="0" destOrd="0" presId="urn:microsoft.com/office/officeart/2005/8/layout/vList2"/>
-    <dgm:cxn modelId="{AC385719-94EB-3E4F-9728-50556D6F0067}" type="presOf" srcId="{E38E36DC-8476-8648-95EA-7EC93365B916}" destId="{A33BF93F-4A22-BD47-B982-ED9E6DB595B6}" srcOrd="0" destOrd="1" presId="urn:microsoft.com/office/officeart/2005/8/layout/vList2"/>
     <dgm:cxn modelId="{2AEFB4CA-F6D0-6245-A2BE-60A2C2C16ABB}" srcId="{E0895953-413D-EA40-9010-D79FE0AB8E3F}" destId="{406419E1-0FFF-354F-A0D0-2719B35FB9C6}" srcOrd="0" destOrd="0" parTransId="{8AAFB291-E321-DB4D-B6D6-C650B0CD73D9}" sibTransId="{2839BF11-547B-AC46-B8F2-7C1E804CC372}"/>
     <dgm:cxn modelId="{EB8E01E6-C0D6-0E46-BB18-4C4088FC9AD5}" type="presOf" srcId="{DDE15867-3C8B-5D43-A30E-7EA15E339988}" destId="{E907E970-5DB0-ED44-ACE1-855D47AA586A}" srcOrd="0" destOrd="0" presId="urn:microsoft.com/office/officeart/2005/8/layout/vList2"/>
+    <dgm:cxn modelId="{9979A3A3-7521-9D4B-A267-EBEDC124CAC5}" srcId="{927CFBBD-7561-3441-9293-83FC6B8C6F6D}" destId="{EA311203-FF31-764D-BA8C-692C8C262239}" srcOrd="2" destOrd="0" parTransId="{D49EAE68-9307-DB4A-A725-7C160720A43A}" sibTransId="{9AF8A73C-7D74-5B41-8335-1DFEC0B62A87}"/>
+    <dgm:cxn modelId="{926FF674-AC38-1541-8923-1B5C1C27175A}" type="presOf" srcId="{927CFBBD-7561-3441-9293-83FC6B8C6F6D}" destId="{CC70B8A7-1F3F-8C41-9594-C9064B821710}" srcOrd="0" destOrd="0" presId="urn:microsoft.com/office/officeart/2005/8/layout/vList2"/>
     <dgm:cxn modelId="{46DD0596-73A3-C245-9C46-B7FC61E35022}" type="presOf" srcId="{62D99AE4-E350-0C45-93C9-3C2E0D0B4208}" destId="{DBD3C224-E551-D240-AA2B-D1A316CE8069}" srcOrd="0" destOrd="0" presId="urn:microsoft.com/office/officeart/2005/8/layout/vList2"/>
     <dgm:cxn modelId="{10C13D49-66CD-D740-9B39-3D43244557E3}" type="presOf" srcId="{92BFF5F7-5F7D-2E48-855A-ABD8D68F5A9F}" destId="{D86995FA-7988-7F43-A9EB-A6D62B20E2D5}" srcOrd="0" destOrd="0" presId="urn:microsoft.com/office/officeart/2005/8/layout/vList2"/>
-    <dgm:cxn modelId="{C60603E3-671B-F245-9A84-C3EBD9AF82EC}" srcId="{EA311203-FF31-764D-BA8C-692C8C262239}" destId="{B412106C-86EA-AE45-BA82-EF6AEDD1C0B1}" srcOrd="1" destOrd="0" parTransId="{D4354B2F-C94E-8245-81CA-2DFE448BD4D8}" sibTransId="{B7F589A9-7AA8-7B45-807C-0D9475BAEBFC}"/>
     <dgm:cxn modelId="{1FCEB65B-FEA9-C541-8AF6-6AB8984479A5}" type="presParOf" srcId="{CC70B8A7-1F3F-8C41-9594-C9064B821710}" destId="{431B1631-8A73-8948-8367-E15382D6D97A}" srcOrd="0" destOrd="0" presId="urn:microsoft.com/office/officeart/2005/8/layout/vList2"/>
     <dgm:cxn modelId="{7DCE5B90-D07B-1C4B-814E-34789B93AB02}" type="presParOf" srcId="{CC70B8A7-1F3F-8C41-9594-C9064B821710}" destId="{A33BF93F-4A22-BD47-B982-ED9E6DB595B6}" srcOrd="1" destOrd="0" presId="urn:microsoft.com/office/officeart/2005/8/layout/vList2"/>
     <dgm:cxn modelId="{A82B32AD-3C10-D342-9139-3185A07CC0F2}" type="presParOf" srcId="{CC70B8A7-1F3F-8C41-9594-C9064B821710}" destId="{E907E970-5DB0-ED44-ACE1-855D47AA586A}" srcOrd="2" destOrd="0" presId="urn:microsoft.com/office/officeart/2005/8/layout/vList2"/>
@@ -4811,8 +4811,8 @@
     <dgm:cxn modelId="{BEB793A1-67D8-284D-A5C8-B56A7F2271EB}" type="presOf" srcId="{FB90B8AB-C5E6-8647-B183-9B6CB29B46F4}" destId="{8B14C782-AF89-0F47-9D34-C6D40538E8B7}" srcOrd="0" destOrd="3" presId="urn:microsoft.com/office/officeart/2005/8/layout/vList2"/>
     <dgm:cxn modelId="{6FA3700D-6A1E-0243-BECD-D84D389F9DF9}" srcId="{E38E36DC-8476-8648-95EA-7EC93365B916}" destId="{0541EA34-580B-094F-B05A-74D64D7E8998}" srcOrd="0" destOrd="0" parTransId="{CA7083C4-DA5B-2A46-8ADF-77F1100C837A}" sibTransId="{F3C38E9E-E99A-494F-BAD4-8E1514A66D35}"/>
     <dgm:cxn modelId="{418340F2-196D-4D44-B68A-826AA913C0B1}" srcId="{E0895953-413D-EA40-9010-D79FE0AB8E3F}" destId="{FB90B8AB-C5E6-8647-B183-9B6CB29B46F4}" srcOrd="2" destOrd="0" parTransId="{E9CD4B3D-CE3B-B84B-A084-D0BB6D985442}" sibTransId="{3B8C62B7-7D5D-F543-807B-BE4B0613E0D2}"/>
+    <dgm:cxn modelId="{2AEFB4CA-F6D0-6245-A2BE-60A2C2C16ABB}" srcId="{E0895953-413D-EA40-9010-D79FE0AB8E3F}" destId="{406419E1-0FFF-354F-A0D0-2719B35FB9C6}" srcOrd="0" destOrd="0" parTransId="{8AAFB291-E321-DB4D-B6D6-C650B0CD73D9}" sibTransId="{2839BF11-547B-AC46-B8F2-7C1E804CC372}"/>
     <dgm:cxn modelId="{76195E20-7A90-2F48-8E5B-AB0E4BF4277C}" srcId="{E0895953-413D-EA40-9010-D79FE0AB8E3F}" destId="{96B75234-D76B-174D-9740-A26518A7FE40}" srcOrd="3" destOrd="0" parTransId="{E71C125F-01EB-CF47-8FE3-7FE4C88C054D}" sibTransId="{2ED66174-39D3-1747-8125-9B96727717F8}"/>
-    <dgm:cxn modelId="{2AEFB4CA-F6D0-6245-A2BE-60A2C2C16ABB}" srcId="{E0895953-413D-EA40-9010-D79FE0AB8E3F}" destId="{406419E1-0FFF-354F-A0D0-2719B35FB9C6}" srcOrd="0" destOrd="0" parTransId="{8AAFB291-E321-DB4D-B6D6-C650B0CD73D9}" sibTransId="{2839BF11-547B-AC46-B8F2-7C1E804CC372}"/>
     <dgm:cxn modelId="{4C7C036C-620C-6349-A04B-4FCD8466C310}" type="presOf" srcId="{E38E36DC-8476-8648-95EA-7EC93365B916}" destId="{8B14C782-AF89-0F47-9D34-C6D40538E8B7}" srcOrd="0" destOrd="1" presId="urn:microsoft.com/office/officeart/2005/8/layout/vList2"/>
     <dgm:cxn modelId="{38418F25-9C62-A34D-B722-8FC154586176}" type="presOf" srcId="{406419E1-0FFF-354F-A0D0-2719B35FB9C6}" destId="{8B14C782-AF89-0F47-9D34-C6D40538E8B7}" srcOrd="0" destOrd="0" presId="urn:microsoft.com/office/officeart/2005/8/layout/vList2"/>
     <dgm:cxn modelId="{133C7637-D5E6-2C46-A02A-267577018F22}" srcId="{96B75234-D76B-174D-9740-A26518A7FE40}" destId="{276F7011-1D27-B644-B757-7CB205AE0D85}" srcOrd="0" destOrd="0" parTransId="{65417372-67C8-0449-809E-932CD7D3A075}" sibTransId="{7423E876-EC27-C248-B18F-20432F16B5A6}"/>
@@ -5253,8 +5253,8 @@
     <dgm:cxn modelId="{B4E14CFA-8802-1144-82A7-C82400A84759}" type="presOf" srcId="{B403F99C-EAFE-E840-BB4E-733B0C55CB63}" destId="{8B14C782-AF89-0F47-9D34-C6D40538E8B7}" srcOrd="0" destOrd="8" presId="urn:microsoft.com/office/officeart/2005/8/layout/vList2"/>
     <dgm:cxn modelId="{24033443-ED87-954A-96BD-5A2AD2111F30}" type="presOf" srcId="{E0895953-413D-EA40-9010-D79FE0AB8E3F}" destId="{78C8E693-FE6C-6F46-8864-984326505708}" srcOrd="0" destOrd="0" presId="urn:microsoft.com/office/officeart/2005/8/layout/vList2"/>
     <dgm:cxn modelId="{418340F2-196D-4D44-B68A-826AA913C0B1}" srcId="{E0895953-413D-EA40-9010-D79FE0AB8E3F}" destId="{FB90B8AB-C5E6-8647-B183-9B6CB29B46F4}" srcOrd="2" destOrd="0" parTransId="{E9CD4B3D-CE3B-B84B-A084-D0BB6D985442}" sibTransId="{3B8C62B7-7D5D-F543-807B-BE4B0613E0D2}"/>
+    <dgm:cxn modelId="{76195E20-7A90-2F48-8E5B-AB0E4BF4277C}" srcId="{E0895953-413D-EA40-9010-D79FE0AB8E3F}" destId="{96B75234-D76B-174D-9740-A26518A7FE40}" srcOrd="3" destOrd="0" parTransId="{E71C125F-01EB-CF47-8FE3-7FE4C88C054D}" sibTransId="{2ED66174-39D3-1747-8125-9B96727717F8}"/>
     <dgm:cxn modelId="{2AEFB4CA-F6D0-6245-A2BE-60A2C2C16ABB}" srcId="{E0895953-413D-EA40-9010-D79FE0AB8E3F}" destId="{406419E1-0FFF-354F-A0D0-2719B35FB9C6}" srcOrd="0" destOrd="0" parTransId="{8AAFB291-E321-DB4D-B6D6-C650B0CD73D9}" sibTransId="{2839BF11-547B-AC46-B8F2-7C1E804CC372}"/>
-    <dgm:cxn modelId="{76195E20-7A90-2F48-8E5B-AB0E4BF4277C}" srcId="{E0895953-413D-EA40-9010-D79FE0AB8E3F}" destId="{96B75234-D76B-174D-9740-A26518A7FE40}" srcOrd="3" destOrd="0" parTransId="{E71C125F-01EB-CF47-8FE3-7FE4C88C054D}" sibTransId="{2ED66174-39D3-1747-8125-9B96727717F8}"/>
     <dgm:cxn modelId="{64FA3922-05F4-DF4A-9D99-C7D3D6E18DB9}" type="presOf" srcId="{927CFBBD-7561-3441-9293-83FC6B8C6F6D}" destId="{93AD242E-5196-0644-B8AF-125C0C321C50}" srcOrd="0" destOrd="0" presId="urn:microsoft.com/office/officeart/2005/8/layout/vList2"/>
     <dgm:cxn modelId="{AE6FD476-F591-8D47-BC30-AA261C1E31CF}" type="presOf" srcId="{276F7011-1D27-B644-B757-7CB205AE0D85}" destId="{8B14C782-AF89-0F47-9D34-C6D40538E8B7}" srcOrd="0" destOrd="6" presId="urn:microsoft.com/office/officeart/2005/8/layout/vList2"/>
     <dgm:cxn modelId="{133C7637-D5E6-2C46-A02A-267577018F22}" srcId="{96B75234-D76B-174D-9740-A26518A7FE40}" destId="{276F7011-1D27-B644-B757-7CB205AE0D85}" srcOrd="0" destOrd="0" parTransId="{65417372-67C8-0449-809E-932CD7D3A075}" sibTransId="{7423E876-EC27-C248-B18F-20432F16B5A6}"/>
@@ -6205,8 +6205,8 @@
       </dsp:nvSpPr>
       <dsp:spPr>
         <a:xfrm>
-          <a:off x="0" y="824"/>
-          <a:ext cx="8442325" cy="711360"/>
+          <a:off x="0" y="5751"/>
+          <a:ext cx="8442325" cy="673920"/>
         </a:xfrm>
         <a:prstGeom prst="roundRect">
           <a:avLst/>
@@ -6296,8 +6296,8 @@
         </a:p>
       </dsp:txBody>
       <dsp:txXfrm>
-        <a:off x="34726" y="35550"/>
-        <a:ext cx="8372873" cy="641908"/>
+        <a:off x="32898" y="38649"/>
+        <a:ext cx="8376529" cy="608124"/>
       </dsp:txXfrm>
     </dsp:sp>
     <dsp:sp modelId="{A33BF93F-4A22-BD47-B982-ED9E6DB595B6}">
@@ -6307,8 +6307,8 @@
       </dsp:nvSpPr>
       <dsp:spPr>
         <a:xfrm>
-          <a:off x="0" y="712184"/>
-          <a:ext cx="8442325" cy="766935"/>
+          <a:off x="0" y="679671"/>
+          <a:ext cx="8442325" cy="801090"/>
         </a:xfrm>
         <a:prstGeom prst="rect">
           <a:avLst/>
@@ -6376,8 +6376,8 @@
         </a:p>
       </dsp:txBody>
       <dsp:txXfrm>
-        <a:off x="0" y="712184"/>
-        <a:ext cx="8442325" cy="766935"/>
+        <a:off x="0" y="679671"/>
+        <a:ext cx="8442325" cy="801090"/>
       </dsp:txXfrm>
     </dsp:sp>
     <dsp:sp modelId="{E907E970-5DB0-ED44-ACE1-855D47AA586A}">
@@ -6387,8 +6387,8 @@
       </dsp:nvSpPr>
       <dsp:spPr>
         <a:xfrm>
-          <a:off x="0" y="1479119"/>
-          <a:ext cx="8442325" cy="711360"/>
+          <a:off x="0" y="1480761"/>
+          <a:ext cx="8442325" cy="673920"/>
         </a:xfrm>
         <a:prstGeom prst="roundRect">
           <a:avLst/>
@@ -6478,8 +6478,8 @@
         </a:p>
       </dsp:txBody>
       <dsp:txXfrm>
-        <a:off x="34726" y="1513845"/>
-        <a:ext cx="8372873" cy="641908"/>
+        <a:off x="32898" y="1513659"/>
+        <a:ext cx="8376529" cy="608124"/>
       </dsp:txXfrm>
     </dsp:sp>
     <dsp:sp modelId="{D86995FA-7988-7F43-A9EB-A6D62B20E2D5}">
@@ -6489,8 +6489,8 @@
       </dsp:nvSpPr>
       <dsp:spPr>
         <a:xfrm>
-          <a:off x="0" y="2190479"/>
-          <a:ext cx="8442325" cy="766935"/>
+          <a:off x="0" y="2154681"/>
+          <a:ext cx="8442325" cy="801090"/>
         </a:xfrm>
         <a:prstGeom prst="rect">
           <a:avLst/>
@@ -6558,8 +6558,8 @@
         </a:p>
       </dsp:txBody>
       <dsp:txXfrm>
-        <a:off x="0" y="2190479"/>
-        <a:ext cx="8442325" cy="766935"/>
+        <a:off x="0" y="2154681"/>
+        <a:ext cx="8442325" cy="801090"/>
       </dsp:txXfrm>
     </dsp:sp>
     <dsp:sp modelId="{0CDEF05D-24F6-F14A-AAB2-C23247B416CE}">
@@ -6569,8 +6569,8 @@
       </dsp:nvSpPr>
       <dsp:spPr>
         <a:xfrm>
-          <a:off x="0" y="2957414"/>
-          <a:ext cx="8442325" cy="711360"/>
+          <a:off x="0" y="2955771"/>
+          <a:ext cx="8442325" cy="673920"/>
         </a:xfrm>
         <a:prstGeom prst="roundRect">
           <a:avLst/>
@@ -6660,8 +6660,8 @@
         </a:p>
       </dsp:txBody>
       <dsp:txXfrm>
-        <a:off x="34726" y="2992140"/>
-        <a:ext cx="8372873" cy="641908"/>
+        <a:off x="32898" y="2988669"/>
+        <a:ext cx="8376529" cy="608124"/>
       </dsp:txXfrm>
     </dsp:sp>
     <dsp:sp modelId="{DBD3C224-E551-D240-AA2B-D1A316CE8069}">
@@ -6671,8 +6671,8 @@
       </dsp:nvSpPr>
       <dsp:spPr>
         <a:xfrm>
-          <a:off x="0" y="3668774"/>
-          <a:ext cx="8442325" cy="766935"/>
+          <a:off x="0" y="3629691"/>
+          <a:ext cx="8442325" cy="801090"/>
         </a:xfrm>
         <a:prstGeom prst="rect">
           <a:avLst/>
@@ -6740,8 +6740,8 @@
         </a:p>
       </dsp:txBody>
       <dsp:txXfrm>
-        <a:off x="0" y="3668774"/>
-        <a:ext cx="8442325" cy="766935"/>
+        <a:off x="0" y="3629691"/>
+        <a:ext cx="8442325" cy="801090"/>
       </dsp:txXfrm>
     </dsp:sp>
   </dsp:spTree>
@@ -6763,8 +6763,8 @@
       </dsp:nvSpPr>
       <dsp:spPr>
         <a:xfrm>
-          <a:off x="0" y="32378"/>
-          <a:ext cx="8442325" cy="1160640"/>
+          <a:off x="0" y="38992"/>
+          <a:ext cx="8442325" cy="992160"/>
         </a:xfrm>
         <a:prstGeom prst="roundRect">
           <a:avLst/>
@@ -6854,8 +6854,8 @@
         </a:p>
       </dsp:txBody>
       <dsp:txXfrm>
-        <a:off x="56658" y="89036"/>
-        <a:ext cx="8329009" cy="1047324"/>
+        <a:off x="48433" y="87425"/>
+        <a:ext cx="8345459" cy="895294"/>
       </dsp:txXfrm>
     </dsp:sp>
     <dsp:sp modelId="{8B14C782-AF89-0F47-9D34-C6D40538E8B7}">
@@ -6865,8 +6865,8 @@
       </dsp:nvSpPr>
       <dsp:spPr>
         <a:xfrm>
-          <a:off x="0" y="1193018"/>
-          <a:ext cx="8442325" cy="3465180"/>
+          <a:off x="0" y="1031152"/>
+          <a:ext cx="8442325" cy="3620430"/>
         </a:xfrm>
         <a:prstGeom prst="rect">
           <a:avLst/>
@@ -7071,8 +7071,8 @@
         </a:p>
       </dsp:txBody>
       <dsp:txXfrm>
-        <a:off x="0" y="1193018"/>
-        <a:ext cx="8442325" cy="3465180"/>
+        <a:off x="0" y="1031152"/>
+        <a:ext cx="8442325" cy="3620430"/>
       </dsp:txXfrm>
     </dsp:sp>
   </dsp:spTree>
@@ -7094,8 +7094,8 @@
       </dsp:nvSpPr>
       <dsp:spPr>
         <a:xfrm>
-          <a:off x="0" y="32378"/>
-          <a:ext cx="8442325" cy="1160640"/>
+          <a:off x="0" y="38992"/>
+          <a:ext cx="8442325" cy="992160"/>
         </a:xfrm>
         <a:prstGeom prst="roundRect">
           <a:avLst/>
@@ -7185,8 +7185,8 @@
         </a:p>
       </dsp:txBody>
       <dsp:txXfrm>
-        <a:off x="56658" y="89036"/>
-        <a:ext cx="8329009" cy="1047324"/>
+        <a:off x="48433" y="87425"/>
+        <a:ext cx="8345459" cy="895294"/>
       </dsp:txXfrm>
     </dsp:sp>
     <dsp:sp modelId="{8B14C782-AF89-0F47-9D34-C6D40538E8B7}">
@@ -7196,8 +7196,8 @@
       </dsp:nvSpPr>
       <dsp:spPr>
         <a:xfrm>
-          <a:off x="0" y="1193018"/>
-          <a:ext cx="8442325" cy="3465180"/>
+          <a:off x="0" y="1031152"/>
+          <a:ext cx="8442325" cy="3620430"/>
         </a:xfrm>
         <a:prstGeom prst="rect">
           <a:avLst/>
@@ -7402,8 +7402,8 @@
         </a:p>
       </dsp:txBody>
       <dsp:txXfrm>
-        <a:off x="0" y="1193018"/>
-        <a:ext cx="8442325" cy="3465180"/>
+        <a:off x="0" y="1031152"/>
+        <a:ext cx="8442325" cy="3620430"/>
       </dsp:txXfrm>
     </dsp:sp>
   </dsp:spTree>
@@ -7425,8 +7425,8 @@
       </dsp:nvSpPr>
       <dsp:spPr>
         <a:xfrm>
-          <a:off x="0" y="32378"/>
-          <a:ext cx="8442325" cy="1160640"/>
+          <a:off x="0" y="38992"/>
+          <a:ext cx="8442325" cy="992160"/>
         </a:xfrm>
         <a:prstGeom prst="roundRect">
           <a:avLst/>
@@ -7516,8 +7516,8 @@
         </a:p>
       </dsp:txBody>
       <dsp:txXfrm>
-        <a:off x="56658" y="89036"/>
-        <a:ext cx="8329009" cy="1047324"/>
+        <a:off x="48433" y="87425"/>
+        <a:ext cx="8345459" cy="895294"/>
       </dsp:txXfrm>
     </dsp:sp>
     <dsp:sp modelId="{8B14C782-AF89-0F47-9D34-C6D40538E8B7}">
@@ -7527,8 +7527,8 @@
       </dsp:nvSpPr>
       <dsp:spPr>
         <a:xfrm>
-          <a:off x="0" y="1193018"/>
-          <a:ext cx="8442325" cy="3465180"/>
+          <a:off x="0" y="1031152"/>
+          <a:ext cx="8442325" cy="3620430"/>
         </a:xfrm>
         <a:prstGeom prst="rect">
           <a:avLst/>
@@ -7733,8 +7733,8 @@
         </a:p>
       </dsp:txBody>
       <dsp:txXfrm>
-        <a:off x="0" y="1193018"/>
-        <a:ext cx="8442325" cy="3465180"/>
+        <a:off x="0" y="1031152"/>
+        <a:ext cx="8442325" cy="3620430"/>
       </dsp:txXfrm>
     </dsp:sp>
   </dsp:spTree>
@@ -7756,8 +7756,8 @@
       </dsp:nvSpPr>
       <dsp:spPr>
         <a:xfrm>
-          <a:off x="0" y="32378"/>
-          <a:ext cx="8442325" cy="1160640"/>
+          <a:off x="0" y="38992"/>
+          <a:ext cx="8442325" cy="992160"/>
         </a:xfrm>
         <a:prstGeom prst="roundRect">
           <a:avLst/>
@@ -7851,8 +7851,8 @@
         </a:p>
       </dsp:txBody>
       <dsp:txXfrm>
-        <a:off x="56658" y="89036"/>
-        <a:ext cx="8329009" cy="1047324"/>
+        <a:off x="48433" y="87425"/>
+        <a:ext cx="8345459" cy="895294"/>
       </dsp:txXfrm>
     </dsp:sp>
     <dsp:sp modelId="{8B14C782-AF89-0F47-9D34-C6D40538E8B7}">
@@ -7862,8 +7862,8 @@
       </dsp:nvSpPr>
       <dsp:spPr>
         <a:xfrm>
-          <a:off x="0" y="1193018"/>
-          <a:ext cx="8442325" cy="3465180"/>
+          <a:off x="0" y="1031152"/>
+          <a:ext cx="8442325" cy="3620430"/>
         </a:xfrm>
         <a:prstGeom prst="rect">
           <a:avLst/>
@@ -8068,8 +8068,8 @@
         </a:p>
       </dsp:txBody>
       <dsp:txXfrm>
-        <a:off x="0" y="1193018"/>
-        <a:ext cx="8442325" cy="3465180"/>
+        <a:off x="0" y="1031152"/>
+        <a:ext cx="8442325" cy="3620430"/>
       </dsp:txXfrm>
     </dsp:sp>
   </dsp:spTree>
@@ -14116,7 +14116,7 @@
         <p:spPr>
           <a:xfrm>
             <a:off x="0" y="0"/>
-            <a:ext cx="2946400" cy="496888"/>
+            <a:ext cx="4302625" cy="340265"/>
           </a:xfrm>
           <a:prstGeom prst="rect">
             <a:avLst/>
@@ -14146,8 +14146,8 @@
         </p:nvSpPr>
         <p:spPr>
           <a:xfrm>
-            <a:off x="3849688" y="0"/>
-            <a:ext cx="2946400" cy="496888"/>
+            <a:off x="5621696" y="0"/>
+            <a:ext cx="4302625" cy="340265"/>
           </a:xfrm>
           <a:prstGeom prst="rect">
             <a:avLst/>
@@ -14164,7 +14164,7 @@
             <a:fld id="{3ACDA2C4-2F6D-B046-ACF4-04F0ED078194}" type="datetimeFigureOut">
               <a:rPr lang="es-ES_tradnl" smtClean="0"/>
               <a:pPr/>
-              <a:t>24/02/2014</a:t>
+              <a:t>24/02/14</a:t>
             </a:fld>
             <a:endParaRPr lang="es-ES_tradnl"/>
           </a:p>
@@ -14182,8 +14182,8 @@
         </p:nvSpPr>
         <p:spPr>
           <a:xfrm>
-            <a:off x="0" y="9428163"/>
-            <a:ext cx="2946400" cy="496887"/>
+            <a:off x="0" y="6456324"/>
+            <a:ext cx="4302625" cy="340264"/>
           </a:xfrm>
           <a:prstGeom prst="rect">
             <a:avLst/>
@@ -14213,8 +14213,8 @@
         </p:nvSpPr>
         <p:spPr>
           <a:xfrm>
-            <a:off x="3849688" y="9428163"/>
-            <a:ext cx="2946400" cy="496887"/>
+            <a:off x="5621696" y="6456324"/>
+            <a:ext cx="4302625" cy="340264"/>
           </a:xfrm>
           <a:prstGeom prst="rect">
             <a:avLst/>
@@ -14231,7 +14231,7 @@
             <a:fld id="{B50EC829-9FD3-BB48-9A3E-8801DDC45286}" type="slidenum">
               <a:rPr lang="es-ES_tradnl" smtClean="0"/>
               <a:pPr/>
-              <a:t>‹Nº›</a:t>
+              <a:t>‹Nr.›</a:t>
             </a:fld>
             <a:endParaRPr lang="es-ES_tradnl"/>
           </a:p>
@@ -14287,7 +14287,7 @@
         <p:spPr bwMode="auto">
           <a:xfrm>
             <a:off x="0" y="0"/>
-            <a:ext cx="2946400" cy="496888"/>
+            <a:ext cx="4302625" cy="340265"/>
           </a:xfrm>
           <a:prstGeom prst="rect">
             <a:avLst/>
@@ -14332,8 +14332,8 @@
         </p:nvSpPr>
         <p:spPr bwMode="auto">
           <a:xfrm>
-            <a:off x="3849688" y="0"/>
-            <a:ext cx="2946400" cy="496888"/>
+            <a:off x="5621696" y="0"/>
+            <a:ext cx="4302625" cy="340265"/>
           </a:xfrm>
           <a:prstGeom prst="rect">
             <a:avLst/>
@@ -14378,8 +14378,8 @@
         </p:nvSpPr>
         <p:spPr bwMode="auto">
           <a:xfrm>
-            <a:off x="917575" y="744538"/>
-            <a:ext cx="4962525" cy="3722687"/>
+            <a:off x="3263900" y="509588"/>
+            <a:ext cx="3398838" cy="2549525"/>
           </a:xfrm>
           <a:prstGeom prst="rect">
             <a:avLst/>
@@ -14407,8 +14407,8 @@
         </p:nvSpPr>
         <p:spPr bwMode="auto">
           <a:xfrm>
-            <a:off x="679450" y="4714875"/>
-            <a:ext cx="5438775" cy="4467225"/>
+            <a:off x="992201" y="3228705"/>
+            <a:ext cx="7942238" cy="3059117"/>
           </a:xfrm>
           <a:prstGeom prst="rect">
             <a:avLst/>
@@ -14478,8 +14478,8 @@
         </p:nvSpPr>
         <p:spPr bwMode="auto">
           <a:xfrm>
-            <a:off x="0" y="9428163"/>
-            <a:ext cx="2946400" cy="496887"/>
+            <a:off x="0" y="6456324"/>
+            <a:ext cx="4302625" cy="340264"/>
           </a:xfrm>
           <a:prstGeom prst="rect">
             <a:avLst/>
@@ -14524,8 +14524,8 @@
         </p:nvSpPr>
         <p:spPr bwMode="auto">
           <a:xfrm>
-            <a:off x="3849688" y="9428163"/>
-            <a:ext cx="2946400" cy="496887"/>
+            <a:off x="5621696" y="6456324"/>
+            <a:ext cx="4302625" cy="340264"/>
           </a:xfrm>
           <a:prstGeom prst="rect">
             <a:avLst/>
@@ -14559,7 +14559,7 @@
               <a:pPr>
                 <a:defRPr/>
               </a:pPr>
-              <a:t>‹Nº›</a:t>
+              <a:t>‹Nr.›</a:t>
             </a:fld>
             <a:endParaRPr lang="en-US"/>
           </a:p>
@@ -15185,7 +15185,7 @@
               <a:pPr>
                 <a:defRPr/>
               </a:pPr>
-              <a:t>24 February 2014</a:t>
+              <a:t>24 febrero 2014</a:t>
             </a:fld>
             <a:endParaRPr lang="en-US"/>
           </a:p>
@@ -15244,7 +15244,7 @@
   <p:clrMapOvr>
     <a:masterClrMapping/>
   </p:clrMapOvr>
-  <p:transition>
+  <p:transition xmlns:p14="http://schemas.microsoft.com/office/powerpoint/2010/main">
     <p:fade/>
   </p:transition>
 </p:sldLayout>
@@ -15371,7 +15371,7 @@
               <a:pPr>
                 <a:defRPr/>
               </a:pPr>
-              <a:t>‹Nº›</a:t>
+              <a:t>‹Nr.›</a:t>
             </a:fld>
             <a:endParaRPr lang="en-US"/>
           </a:p>
@@ -15382,7 +15382,7 @@
   <p:clrMapOvr>
     <a:masterClrMapping/>
   </p:clrMapOvr>
-  <p:transition>
+  <p:transition xmlns:p14="http://schemas.microsoft.com/office/powerpoint/2010/main">
     <p:fade/>
   </p:transition>
 </p:sldLayout>
@@ -15519,7 +15519,7 @@
               <a:pPr>
                 <a:defRPr/>
               </a:pPr>
-              <a:t>‹Nº›</a:t>
+              <a:t>‹Nr.›</a:t>
             </a:fld>
             <a:endParaRPr lang="en-US"/>
           </a:p>
@@ -15530,7 +15530,7 @@
   <p:clrMapOvr>
     <a:masterClrMapping/>
   </p:clrMapOvr>
-  <p:transition>
+  <p:transition xmlns:p14="http://schemas.microsoft.com/office/powerpoint/2010/main">
     <p:fade/>
   </p:transition>
 </p:sldLayout>
@@ -15692,7 +15692,7 @@
               <a:pPr>
                 <a:defRPr/>
               </a:pPr>
-              <a:t>‹Nº›</a:t>
+              <a:t>‹Nr.›</a:t>
             </a:fld>
             <a:endParaRPr lang="en-US"/>
           </a:p>
@@ -15703,7 +15703,7 @@
   <p:clrMapOvr>
     <a:masterClrMapping/>
   </p:clrMapOvr>
-  <p:transition>
+  <p:transition xmlns:p14="http://schemas.microsoft.com/office/powerpoint/2010/main">
     <p:fade/>
   </p:transition>
 </p:sldLayout>
@@ -16850,7 +16850,7 @@
               <a:pPr>
                 <a:defRPr/>
               </a:pPr>
-              <a:t>‹Nº›</a:t>
+              <a:t>‹Nr.›</a:t>
             </a:fld>
             <a:endParaRPr lang="en-US"/>
           </a:p>
@@ -16861,7 +16861,7 @@
   <p:clrMapOvr>
     <a:masterClrMapping/>
   </p:clrMapOvr>
-  <p:transition>
+  <p:transition xmlns:p14="http://schemas.microsoft.com/office/powerpoint/2010/main">
     <p:fade/>
   </p:transition>
 </p:sldLayout>
@@ -17634,7 +17634,7 @@
               <a:pPr>
                 <a:defRPr/>
               </a:pPr>
-              <a:t>‹Nº›</a:t>
+              <a:t>‹Nr.›</a:t>
             </a:fld>
             <a:endParaRPr lang="en-US"/>
           </a:p>
@@ -17645,7 +17645,7 @@
   <p:clrMapOvr>
     <a:masterClrMapping/>
   </p:clrMapOvr>
-  <p:transition>
+  <p:transition xmlns:p14="http://schemas.microsoft.com/office/powerpoint/2010/main">
     <p:fade/>
   </p:transition>
 </p:sldLayout>
@@ -17890,7 +17890,7 @@
               <a:pPr>
                 <a:defRPr/>
               </a:pPr>
-              <a:t>‹Nº›</a:t>
+              <a:t>‹Nr.›</a:t>
             </a:fld>
             <a:endParaRPr lang="en-US"/>
           </a:p>
@@ -17901,7 +17901,7 @@
   <p:clrMapOvr>
     <a:masterClrMapping/>
   </p:clrMapOvr>
-  <p:transition>
+  <p:transition xmlns:p14="http://schemas.microsoft.com/office/powerpoint/2010/main">
     <p:fade/>
   </p:transition>
 </p:sldLayout>
@@ -18285,7 +18285,7 @@
               <a:pPr>
                 <a:defRPr/>
               </a:pPr>
-              <a:t>‹Nº›</a:t>
+              <a:t>‹Nr.›</a:t>
             </a:fld>
             <a:endParaRPr lang="en-US"/>
           </a:p>
@@ -18296,7 +18296,7 @@
   <p:clrMapOvr>
     <a:masterClrMapping/>
   </p:clrMapOvr>
-  <p:transition>
+  <p:transition xmlns:p14="http://schemas.microsoft.com/office/powerpoint/2010/main">
     <p:fade/>
   </p:transition>
 </p:sldLayout>
@@ -18371,7 +18371,7 @@
               <a:pPr>
                 <a:defRPr/>
               </a:pPr>
-              <a:t>‹Nº›</a:t>
+              <a:t>‹Nr.›</a:t>
             </a:fld>
             <a:endParaRPr lang="en-US"/>
           </a:p>
@@ -18382,7 +18382,7 @@
   <p:clrMapOvr>
     <a:masterClrMapping/>
   </p:clrMapOvr>
-  <p:transition>
+  <p:transition xmlns:p14="http://schemas.microsoft.com/office/powerpoint/2010/main">
     <p:fade/>
   </p:transition>
 </p:sldLayout>
@@ -18434,7 +18434,7 @@
               <a:pPr>
                 <a:defRPr/>
               </a:pPr>
-              <a:t>‹Nº›</a:t>
+              <a:t>‹Nr.›</a:t>
             </a:fld>
             <a:endParaRPr lang="en-US"/>
           </a:p>
@@ -18445,7 +18445,7 @@
   <p:clrMapOvr>
     <a:masterClrMapping/>
   </p:clrMapOvr>
-  <p:transition>
+  <p:transition xmlns:p14="http://schemas.microsoft.com/office/powerpoint/2010/main">
     <p:fade/>
   </p:transition>
 </p:sldLayout>
@@ -18679,7 +18679,7 @@
               <a:pPr>
                 <a:defRPr/>
               </a:pPr>
-              <a:t>‹Nº›</a:t>
+              <a:t>‹Nr.›</a:t>
             </a:fld>
             <a:endParaRPr lang="en-US"/>
           </a:p>
@@ -18690,7 +18690,7 @@
   <p:clrMapOvr>
     <a:masterClrMapping/>
   </p:clrMapOvr>
-  <p:transition>
+  <p:transition xmlns:p14="http://schemas.microsoft.com/office/powerpoint/2010/main">
     <p:fade/>
   </p:transition>
 </p:sldLayout>
@@ -18901,7 +18901,7 @@
               <a:pPr>
                 <a:defRPr/>
               </a:pPr>
-              <a:t>‹Nº›</a:t>
+              <a:t>‹Nr.›</a:t>
             </a:fld>
             <a:endParaRPr lang="en-US"/>
           </a:p>
@@ -18912,7 +18912,7 @@
   <p:clrMapOvr>
     <a:masterClrMapping/>
   </p:clrMapOvr>
-  <p:transition>
+  <p:transition xmlns:p14="http://schemas.microsoft.com/office/powerpoint/2010/main">
     <p:fade/>
   </p:transition>
 </p:sldLayout>
@@ -19107,7 +19107,7 @@
               <a:pPr>
                 <a:defRPr/>
               </a:pPr>
-              <a:t>‹Nº›</a:t>
+              <a:t>‹Nr.›</a:t>
             </a:fld>
             <a:endParaRPr lang="en-US"/>
           </a:p>
@@ -19161,7 +19161,7 @@
                 </a:spcBef>
                 <a:defRPr/>
               </a:pPr>
-              <a:t>24 February 2014</a:t>
+              <a:t>24 febrero 2014</a:t>
             </a:fld>
             <a:endParaRPr lang="en-US" sz="900">
               <a:solidFill>
@@ -19219,7 +19219,7 @@
     <p:sldLayoutId id="2147483659" r:id="rId11"/>
     <p:sldLayoutId id="2147483660" r:id="rId12"/>
   </p:sldLayoutIdLst>
-  <p:transition>
+  <p:transition xmlns:p14="http://schemas.microsoft.com/office/powerpoint/2010/main">
     <p:fade/>
   </p:transition>
   <p:hf hdr="0" ftr="0"/>
@@ -20604,7 +20604,7 @@
         </p:nvSpPr>
         <p:spPr>
           <a:xfrm>
-            <a:off x="469899" y="3282949"/>
+            <a:off x="486832" y="4502119"/>
             <a:ext cx="8149168" cy="2034117"/>
           </a:xfrm>
         </p:spPr>
@@ -20623,7 +20623,7 @@
                   </a:schemeClr>
                 </a:solidFill>
               </a:rPr>
-              <a:t>&lt;&lt;Nombre Profesional en Formación&gt;&gt;</a:t>
+              <a:t>Jhonny  Zaruma</a:t>
             </a:r>
             <a:br>
               <a:rPr lang="es-ES" sz="2300" b="1" dirty="0" smtClean="0">
@@ -20662,7 +20662,40 @@
                   </a:schemeClr>
                 </a:solidFill>
               </a:rPr>
-              <a:t>Tutor: &lt;&lt;Nombre Tutor Principal&gt;&gt;</a:t>
+              <a:t>Tutor: </a:t>
+            </a:r>
+            <a:r>
+              <a:rPr lang="es-ES" sz="2300" dirty="0" smtClean="0">
+                <a:solidFill>
+                  <a:schemeClr val="tx1">
+                    <a:lumMod val="50000"/>
+                    <a:lumOff val="50000"/>
+                  </a:schemeClr>
+                </a:solidFill>
+              </a:rPr>
+              <a:t>Ing.</a:t>
+            </a:r>
+            <a:r>
+              <a:rPr lang="es-ES" sz="2300" b="1" dirty="0" smtClean="0">
+                <a:solidFill>
+                  <a:schemeClr val="tx1">
+                    <a:lumMod val="50000"/>
+                    <a:lumOff val="50000"/>
+                  </a:schemeClr>
+                </a:solidFill>
+              </a:rPr>
+              <a:t> Nelson Piedra</a:t>
+            </a:r>
+            <a:r>
+              <a:rPr lang="es-ES" sz="2300" b="1" dirty="0" smtClean="0">
+                <a:solidFill>
+                  <a:schemeClr val="tx1">
+                    <a:lumMod val="50000"/>
+                    <a:lumOff val="50000"/>
+                  </a:schemeClr>
+                </a:solidFill>
+              </a:rPr>
+              <a:t/>
             </a:r>
             <a:br>
               <a:rPr lang="es-ES" sz="2300" b="1" dirty="0" smtClean="0">
@@ -20704,7 +20737,7 @@
                   </a:schemeClr>
                 </a:solidFill>
               </a:rPr>
-              <a:t>&lt;&lt;Fecha&gt;&gt;</a:t>
+              <a:t>25-02-2014</a:t>
             </a:r>
             <a:r>
               <a:rPr lang="es-ES" sz="4000" b="1" i="1" dirty="0" smtClean="0">
@@ -20866,7 +20899,7 @@
         </p:nvSpPr>
         <p:spPr bwMode="auto">
           <a:xfrm>
-            <a:off x="575723" y="1471070"/>
+            <a:off x="592657" y="1318670"/>
             <a:ext cx="7840134" cy="933463"/>
           </a:xfrm>
           <a:prstGeom prst="rect">
@@ -20919,7 +20952,7 @@
         </p:nvSpPr>
         <p:spPr bwMode="auto">
           <a:xfrm>
-            <a:off x="626526" y="2503990"/>
+            <a:off x="778926" y="-2203476"/>
             <a:ext cx="7840134" cy="645583"/>
           </a:xfrm>
           <a:prstGeom prst="rect">
@@ -20954,7 +20987,178 @@
                 </a:effectLst>
                 <a:latin typeface="Times CE" pitchFamily="-109" charset="-18"/>
               </a:rPr>
-              <a:t>&lt;&lt;Titulo Proyecto Fin de Carrera&gt;&gt;</a:t>
+              <a:t>&lt;&lt;Titulo </a:t>
+            </a:r>
+            <a:r>
+              <a:rPr lang="es-ES" sz="2800" b="1" dirty="0" err="1" smtClean="0">
+                <a:solidFill>
+                  <a:schemeClr val="accent1">
+                    <a:lumMod val="75000"/>
+                  </a:schemeClr>
+                </a:solidFill>
+                <a:effectLst>
+                  <a:outerShdw blurRad="38100" dist="38100" dir="2700000" algn="tl">
+                    <a:srgbClr val="C0C0C0"/>
+                  </a:outerShdw>
+                </a:effectLst>
+                <a:latin typeface="Times CE" pitchFamily="-109" charset="-18"/>
+              </a:rPr>
+              <a:t>Prxoyecto</a:t>
+            </a:r>
+            <a:r>
+              <a:rPr lang="es-ES" sz="2800" b="1" dirty="0" smtClean="0">
+                <a:solidFill>
+                  <a:schemeClr val="accent1">
+                    <a:lumMod val="75000"/>
+                  </a:schemeClr>
+                </a:solidFill>
+                <a:effectLst>
+                  <a:outerShdw blurRad="38100" dist="38100" dir="2700000" algn="tl">
+                    <a:srgbClr val="C0C0C0"/>
+                  </a:outerShdw>
+                </a:effectLst>
+                <a:latin typeface="Times CE" pitchFamily="-109" charset="-18"/>
+              </a:rPr>
+              <a:t> </a:t>
+            </a:r>
+            <a:r>
+              <a:rPr lang="es-ES" sz="2800" b="1" dirty="0" smtClean="0">
+                <a:solidFill>
+                  <a:schemeClr val="accent1">
+                    <a:lumMod val="75000"/>
+                  </a:schemeClr>
+                </a:solidFill>
+                <a:effectLst>
+                  <a:outerShdw blurRad="38100" dist="38100" dir="2700000" algn="tl">
+                    <a:srgbClr val="C0C0C0"/>
+                  </a:outerShdw>
+                </a:effectLst>
+                <a:latin typeface="Times CE" pitchFamily="-109" charset="-18"/>
+              </a:rPr>
+              <a:t>Fin de Carrera&gt;</a:t>
+            </a:r>
+            <a:r>
+              <a:rPr lang="es-ES" sz="2800" b="1" dirty="0" smtClean="0">
+                <a:solidFill>
+                  <a:schemeClr val="accent1">
+                    <a:lumMod val="75000"/>
+                  </a:schemeClr>
+                </a:solidFill>
+                <a:effectLst>
+                  <a:outerShdw blurRad="38100" dist="38100" dir="2700000" algn="tl">
+                    <a:srgbClr val="C0C0C0"/>
+                  </a:outerShdw>
+                </a:effectLst>
+                <a:latin typeface="Times CE" pitchFamily="-109" charset="-18"/>
+              </a:rPr>
+              <a:t>&gt;</a:t>
+            </a:r>
+          </a:p>
+          <a:p>
+            <a:pPr algn="ctr">
+              <a:defRPr/>
+            </a:pPr>
+            <a:endParaRPr lang="es-ES" sz="2800" b="1" dirty="0">
+              <a:solidFill>
+                <a:schemeClr val="accent1">
+                  <a:lumMod val="75000"/>
+                </a:schemeClr>
+              </a:solidFill>
+              <a:effectLst>
+                <a:outerShdw blurRad="38100" dist="38100" dir="2700000" algn="tl">
+                  <a:srgbClr val="C0C0C0"/>
+                </a:outerShdw>
+              </a:effectLst>
+              <a:latin typeface="Times CE" pitchFamily="-109" charset="-18"/>
+            </a:endParaRPr>
+          </a:p>
+        </p:txBody>
+      </p:sp>
+      <p:sp>
+        <p:nvSpPr>
+          <p:cNvPr id="2" name="Rectángulo 1"/>
+          <p:cNvSpPr/>
+          <p:nvPr/>
+        </p:nvSpPr>
+        <p:spPr>
+          <a:xfrm>
+            <a:off x="3826933" y="5318036"/>
+            <a:ext cx="4572000" cy="3108544"/>
+          </a:xfrm>
+          <a:prstGeom prst="rect">
+            <a:avLst/>
+          </a:prstGeom>
+          <a:noFill/>
+          <a:ln w="9525">
+            <a:noFill/>
+            <a:miter lim="800000"/>
+            <a:headEnd/>
+            <a:tailEnd/>
+          </a:ln>
+        </p:spPr>
+        <p:txBody>
+          <a:bodyPr anchor="ctr"/>
+          <a:lstStyle/>
+          <a:p>
+            <a:pPr algn="ctr"/>
+            <a:endParaRPr lang="es-ES" sz="2800" b="1" dirty="0">
+              <a:solidFill>
+                <a:schemeClr val="accent1">
+                  <a:lumMod val="75000"/>
+                </a:schemeClr>
+              </a:solidFill>
+              <a:effectLst>
+                <a:outerShdw blurRad="38100" dist="38100" dir="2700000" algn="tl">
+                  <a:srgbClr val="C0C0C0"/>
+                </a:outerShdw>
+              </a:effectLst>
+              <a:latin typeface="Times CE" pitchFamily="-109" charset="-18"/>
+            </a:endParaRPr>
+          </a:p>
+        </p:txBody>
+      </p:sp>
+      <p:sp>
+        <p:nvSpPr>
+          <p:cNvPr id="3" name="Rectángulo 2"/>
+          <p:cNvSpPr/>
+          <p:nvPr/>
+        </p:nvSpPr>
+        <p:spPr>
+          <a:xfrm>
+            <a:off x="745066" y="2188397"/>
+            <a:ext cx="7738534" cy="2246769"/>
+          </a:xfrm>
+          <a:prstGeom prst="rect">
+            <a:avLst/>
+          </a:prstGeom>
+          <a:noFill/>
+          <a:ln w="9525">
+            <a:noFill/>
+            <a:miter lim="800000"/>
+            <a:headEnd/>
+            <a:tailEnd/>
+          </a:ln>
+        </p:spPr>
+        <p:txBody>
+          <a:bodyPr anchor="ctr"/>
+          <a:lstStyle/>
+          <a:p>
+            <a:pPr algn="ctr"/>
+            <a:r>
+              <a:rPr lang="es-ES_tradnl" sz="2800" b="1" dirty="0">
+                <a:solidFill>
+                  <a:schemeClr val="accent1">
+                    <a:lumMod val="75000"/>
+                  </a:schemeClr>
+                </a:solidFill>
+                <a:effectLst>
+                  <a:outerShdw blurRad="38100" dist="38100" dir="2700000" algn="tl">
+                    <a:srgbClr val="C0C0C0"/>
+                  </a:outerShdw>
+                </a:effectLst>
+                <a:latin typeface="Times CE" pitchFamily="-109" charset="-18"/>
+              </a:rPr>
+              <a:t>Servicios Web para Extracción de Entidades desde Contenido HTML. Piloto en sitios con recursos abiertos OCW</a:t>
             </a:r>
             <a:endParaRPr lang="es-ES" sz="2800" b="1" dirty="0">
               <a:solidFill>
@@ -20977,13 +21181,13 @@
   <p:clrMapOvr>
     <a:masterClrMapping/>
   </p:clrMapOvr>
-  <p:transition>
+  <p:transition xmlns:p14="http://schemas.microsoft.com/office/powerpoint/2010/main">
     <p:fade/>
   </p:transition>
   <p:timing>
     <p:tnLst>
       <p:par>
-        <p:cTn id="1" dur="indefinite" restart="never" nodeType="tmRoot"/>
+        <p:cTn xmlns:p14="http://schemas.microsoft.com/office/powerpoint/2010/main" id="1" dur="indefinite" restart="never" nodeType="tmRoot"/>
       </p:par>
     </p:tnLst>
   </p:timing>
@@ -21084,7 +21288,7 @@
   <p:clrMapOvr>
     <a:masterClrMapping/>
   </p:clrMapOvr>
-  <p:transition>
+  <p:transition xmlns:p14="http://schemas.microsoft.com/office/powerpoint/2010/main">
     <p:fade/>
   </p:transition>
 </p:sld>
@@ -21184,7 +21388,7 @@
   <p:clrMapOvr>
     <a:masterClrMapping/>
   </p:clrMapOvr>
-  <p:transition>
+  <p:transition xmlns:p14="http://schemas.microsoft.com/office/powerpoint/2010/main">
     <p:fade/>
   </p:transition>
 </p:sld>
@@ -21284,7 +21488,7 @@
   <p:clrMapOvr>
     <a:masterClrMapping/>
   </p:clrMapOvr>
-  <p:transition>
+  <p:transition xmlns:p14="http://schemas.microsoft.com/office/powerpoint/2010/main">
     <p:fade/>
   </p:transition>
 </p:sld>
@@ -21355,13 +21559,13 @@
   <p:clrMapOvr>
     <a:masterClrMapping/>
   </p:clrMapOvr>
-  <p:transition>
+  <p:transition xmlns:p14="http://schemas.microsoft.com/office/powerpoint/2010/main">
     <p:fade/>
   </p:transition>
   <p:timing>
     <p:tnLst>
       <p:par>
-        <p:cTn id="1" dur="indefinite" restart="never" nodeType="tmRoot"/>
+        <p:cTn xmlns:p14="http://schemas.microsoft.com/office/powerpoint/2010/main" id="1" dur="indefinite" restart="never" nodeType="tmRoot"/>
       </p:par>
     </p:tnLst>
   </p:timing>
@@ -21450,13 +21654,13 @@
   <p:clrMapOvr>
     <a:masterClrMapping/>
   </p:clrMapOvr>
-  <p:transition>
+  <p:transition xmlns:p14="http://schemas.microsoft.com/office/powerpoint/2010/main">
     <p:fade/>
   </p:transition>
   <p:timing>
     <p:tnLst>
       <p:par>
-        <p:cTn id="1" dur="indefinite" restart="never" nodeType="tmRoot"/>
+        <p:cTn xmlns:p14="http://schemas.microsoft.com/office/powerpoint/2010/main" id="1" dur="indefinite" restart="never" nodeType="tmRoot"/>
       </p:par>
     </p:tnLst>
   </p:timing>
@@ -21578,7 +21782,7 @@
   <p:clrMapOvr>
     <a:masterClrMapping/>
   </p:clrMapOvr>
-  <p:transition>
+  <p:transition xmlns:p14="http://schemas.microsoft.com/office/powerpoint/2010/main">
     <p:fade/>
   </p:transition>
 </p:sld>
@@ -21681,7 +21885,7 @@
   <p:clrMapOvr>
     <a:masterClrMapping/>
   </p:clrMapOvr>
-  <p:transition>
+  <p:transition xmlns:p14="http://schemas.microsoft.com/office/powerpoint/2010/main">
     <p:fade/>
   </p:transition>
 </p:sld>
@@ -21744,20 +21948,39 @@
           <a:p>
             <a:r>
               <a:rPr lang="es-ES_tradnl" dirty="0" smtClean="0"/>
-              <a:t>Propósito:</a:t>
+              <a:t>Propósito</a:t>
+            </a:r>
+            <a:r>
+              <a:rPr lang="es-ES_tradnl" dirty="0" smtClean="0"/>
+              <a:t>:</a:t>
             </a:r>
           </a:p>
           <a:p>
-            <a:pPr lvl="1"/>
-            <a:r>
-              <a:rPr lang="es-ES_tradnl" dirty="0" smtClean="0"/>
-              <a:t>&lt;&lt;Propósito del Proyecto&gt;&gt;</a:t>
-            </a:r>
+            <a:pPr marL="0" indent="0">
+              <a:buNone/>
+            </a:pPr>
+            <a:endParaRPr lang="es-ES_tradnl" dirty="0" smtClean="0"/>
+          </a:p>
+          <a:p>
+            <a:endParaRPr lang="es-ES_tradnl" dirty="0" smtClean="0"/>
+          </a:p>
+          <a:p>
+            <a:endParaRPr lang="es-ES_tradnl" dirty="0"/>
+          </a:p>
+          <a:p>
+            <a:endParaRPr lang="es-ES_tradnl" dirty="0" smtClean="0"/>
+          </a:p>
+          <a:p>
+            <a:endParaRPr lang="es-ES_tradnl" dirty="0"/>
           </a:p>
           <a:p>
             <a:r>
               <a:rPr lang="es-ES_tradnl" dirty="0" smtClean="0"/>
-              <a:t>Fecha de inicio del Proyecto:</a:t>
+              <a:t>Fecha </a:t>
+            </a:r>
+            <a:r>
+              <a:rPr lang="es-ES_tradnl" dirty="0" smtClean="0"/>
+              <a:t>de inicio del Proyecto:</a:t>
             </a:r>
           </a:p>
           <a:p>
@@ -21816,12 +22039,74 @@
           </a:p>
         </p:txBody>
       </p:sp>
+      <p:sp>
+        <p:nvSpPr>
+          <p:cNvPr id="6" name="Rectángulo 5"/>
+          <p:cNvSpPr/>
+          <p:nvPr/>
+        </p:nvSpPr>
+        <p:spPr>
+          <a:xfrm>
+            <a:off x="541867" y="1725643"/>
+            <a:ext cx="8009466" cy="2585323"/>
+          </a:xfrm>
+          <a:prstGeom prst="rect">
+            <a:avLst/>
+          </a:prstGeom>
+        </p:spPr>
+        <p:txBody>
+          <a:bodyPr wrap="square">
+            <a:spAutoFit/>
+          </a:bodyPr>
+          <a:lstStyle/>
+          <a:p>
+            <a:r>
+              <a:rPr lang="es-ES_tradnl" dirty="0" smtClean="0"/>
+              <a:t>Se planea realizar la extracción de entidades como: lugares, países, ciudades, áreas de conocimientos, organizaciones </a:t>
+            </a:r>
+            <a:r>
+              <a:rPr lang="es-ES_tradnl" dirty="0" err="1" smtClean="0"/>
+              <a:t>academicas</a:t>
+            </a:r>
+            <a:r>
+              <a:rPr lang="es-ES_tradnl" dirty="0" smtClean="0"/>
+              <a:t>, autores, además de asignar metadatos que representan el contenido de documentos, para lo cual se desarrollaran servicios web cuya función serán: </a:t>
+            </a:r>
+            <a:r>
+              <a:rPr lang="es-ES_tradnl" dirty="0" err="1" smtClean="0"/>
+              <a:t>tokenizar</a:t>
+            </a:r>
+            <a:r>
+              <a:rPr lang="es-ES_tradnl" dirty="0" smtClean="0"/>
+              <a:t>, extraer entidades, desambiguar y enlazar con LOD-</a:t>
+            </a:r>
+            <a:r>
+              <a:rPr lang="es-ES_tradnl" dirty="0" err="1" smtClean="0"/>
+              <a:t>Clowd</a:t>
+            </a:r>
+            <a:r>
+              <a:rPr lang="es-ES_tradnl" dirty="0" smtClean="0"/>
+              <a:t>, estos servicios web se los desarrollara con anotaciones semánticas, que permitirán la interoperabilidad entre los servicios existentes.</a:t>
+            </a:r>
+          </a:p>
+          <a:p>
+            <a:r>
+              <a:rPr lang="es-ES_tradnl" dirty="0" smtClean="0"/>
+              <a:t>Finalmente </a:t>
+            </a:r>
+            <a:r>
+              <a:rPr lang="es-ES_tradnl" dirty="0"/>
+              <a:t>la información obtenida será almacenada repositorios que permitan tener permanecía de la información.</a:t>
+            </a:r>
+          </a:p>
+        </p:txBody>
+      </p:sp>
     </p:spTree>
   </p:cSld>
   <p:clrMapOvr>
     <a:masterClrMapping/>
   </p:clrMapOvr>
-  <p:transition>
+  <p:transition xmlns:p14="http://schemas.microsoft.com/office/powerpoint/2010/main">
     <p:fade/>
   </p:transition>
 </p:sld>
@@ -21963,7 +22248,7 @@
   <p:clrMapOvr>
     <a:masterClrMapping/>
   </p:clrMapOvr>
-  <p:transition>
+  <p:transition xmlns:p14="http://schemas.microsoft.com/office/powerpoint/2010/main">
     <p:fade/>
   </p:transition>
 </p:sld>
@@ -22068,7 +22353,7 @@
   <p:clrMapOvr>
     <a:masterClrMapping/>
   </p:clrMapOvr>
-  <p:transition>
+  <p:transition xmlns:p14="http://schemas.microsoft.com/office/powerpoint/2010/main">
     <p:fade/>
   </p:transition>
 </p:sld>
@@ -22168,7 +22453,7 @@
   <p:clrMapOvr>
     <a:masterClrMapping/>
   </p:clrMapOvr>
-  <p:transition>
+  <p:transition xmlns:p14="http://schemas.microsoft.com/office/powerpoint/2010/main">
     <p:fade/>
   </p:transition>
 </p:sld>
@@ -22268,7 +22553,7 @@
   <p:clrMapOvr>
     <a:masterClrMapping/>
   </p:clrMapOvr>
-  <p:transition>
+  <p:transition xmlns:p14="http://schemas.microsoft.com/office/powerpoint/2010/main">
     <p:fade/>
   </p:transition>
 </p:sld>
@@ -22368,7 +22653,7 @@
   <p:clrMapOvr>
     <a:masterClrMapping/>
   </p:clrMapOvr>
-  <p:transition>
+  <p:transition xmlns:p14="http://schemas.microsoft.com/office/powerpoint/2010/main">
     <p:fade/>
   </p:transition>
 </p:sld>

--- a/PlantillaPresetnacionPracticum_4.1.pptx
+++ b/PlantillaPresetnacionPracticum_4.1.pptx
@@ -2020,19 +2020,7 @@
             <a:rPr lang="es-EC" sz="1600" dirty="0" smtClean="0">
               <a:latin typeface="+mn-lt"/>
             </a:rPr>
-            <a:t>WS </a:t>
-          </a:r>
-          <a:r>
-            <a:rPr lang="es-EC" sz="1600" dirty="0" smtClean="0">
-              <a:latin typeface="+mn-lt"/>
-            </a:rPr>
-            <a:t>Extracción </a:t>
-          </a:r>
-          <a:r>
-            <a:rPr lang="es-EC" sz="1600" dirty="0" smtClean="0">
-              <a:latin typeface="+mn-lt"/>
-            </a:rPr>
-            <a:t>de Entidades</a:t>
+            <a:t>WS Extracción de Entidades</a:t>
           </a:r>
           <a:endParaRPr lang="es-EC" sz="1600" dirty="0">
             <a:latin typeface="+mn-lt"/>
@@ -2354,33 +2342,33 @@
     </dgm:pt>
   </dgm:ptLst>
   <dgm:cxnLst>
+    <dgm:cxn modelId="{9979A3A3-7521-9D4B-A267-EBEDC124CAC5}" srcId="{927CFBBD-7561-3441-9293-83FC6B8C6F6D}" destId="{EA311203-FF31-764D-BA8C-692C8C262239}" srcOrd="1" destOrd="0" parTransId="{D49EAE68-9307-DB4A-A725-7C160720A43A}" sibTransId="{9AF8A73C-7D74-5B41-8335-1DFEC0B62A87}"/>
+    <dgm:cxn modelId="{3B044AD9-0C07-483A-AF07-75AF570DBDFE}" srcId="{927CFBBD-7561-3441-9293-83FC6B8C6F6D}" destId="{3773783E-2DD3-43D2-A202-E6912C89B8DC}" srcOrd="4" destOrd="0" parTransId="{8A2B87DF-023F-4189-A36E-3ACB93B71794}" sibTransId="{92DF802D-399B-43C0-8F7F-2108782F94C6}"/>
+    <dgm:cxn modelId="{2E592EBF-6F6C-B848-B690-4FC8FAE11571}" type="presOf" srcId="{E0895953-413D-EA40-9010-D79FE0AB8E3F}" destId="{431B1631-8A73-8948-8367-E15382D6D97A}" srcOrd="0" destOrd="0" presId="urn:microsoft.com/office/officeart/2005/8/layout/vList2"/>
+    <dgm:cxn modelId="{88E0DA72-83EC-44BF-B173-4D55148FD01F}" srcId="{927CFBBD-7561-3441-9293-83FC6B8C6F6D}" destId="{8032A4B3-B463-4E46-BB9A-D9521E8151F8}" srcOrd="2" destOrd="0" parTransId="{58669EDC-272D-4DBE-A8E0-D34C44090A1A}" sibTransId="{C68693FC-50C8-4459-9CC1-6484F6FE58A8}"/>
+    <dgm:cxn modelId="{C11FFD50-EE57-9941-9EE7-9E5543B75D37}" type="presOf" srcId="{EA311203-FF31-764D-BA8C-692C8C262239}" destId="{0CDEF05D-24F6-F14A-AAB2-C23247B416CE}" srcOrd="0" destOrd="0" presId="urn:microsoft.com/office/officeart/2005/8/layout/vList2"/>
+    <dgm:cxn modelId="{BF8223B7-A6E0-47B5-9704-0F99CB5BAE17}" type="presOf" srcId="{2723119B-7DA2-40A6-BE35-1AAC09BEFFBC}" destId="{B31E9A4D-87E5-4A60-A5B1-A569D81C835C}" srcOrd="0" destOrd="0" presId="urn:microsoft.com/office/officeart/2005/8/layout/vList2"/>
+    <dgm:cxn modelId="{74707F39-34B8-49E8-94F3-40227103BBDC}" srcId="{927CFBBD-7561-3441-9293-83FC6B8C6F6D}" destId="{C18F7C84-1395-43AC-8526-FCD74B2FEACB}" srcOrd="3" destOrd="0" parTransId="{D8313B70-1F03-420B-A4DF-36D3A798E742}" sibTransId="{9BE508F2-1EF2-4E25-A763-1DB98973C972}"/>
+    <dgm:cxn modelId="{2E212C78-863A-47CC-A52D-F3C786B04FFC}" type="presOf" srcId="{3A30A9C2-3A03-4DD1-AE54-757E08C9E144}" destId="{FE1FD1A0-A7CC-445B-AB0F-04CE43F06316}" srcOrd="0" destOrd="0" presId="urn:microsoft.com/office/officeart/2005/8/layout/vList2"/>
+    <dgm:cxn modelId="{1E1FAA53-6646-E847-87EB-EA447A460F76}" srcId="{927CFBBD-7561-3441-9293-83FC6B8C6F6D}" destId="{E0895953-413D-EA40-9010-D79FE0AB8E3F}" srcOrd="0" destOrd="0" parTransId="{E1D4A0E2-3747-D64D-936F-93E38018B35F}" sibTransId="{E16724E5-1FA4-354F-9542-B610759A7E54}"/>
     <dgm:cxn modelId="{A7A3D6E0-D7F8-4FB5-B4E6-E8808CCB2D02}" srcId="{3773783E-2DD3-43D2-A202-E6912C89B8DC}" destId="{2723119B-7DA2-40A6-BE35-1AAC09BEFFBC}" srcOrd="0" destOrd="0" parTransId="{E89CFE03-88C0-403E-A651-43A111D5C435}" sibTransId="{57F8BDC2-20BE-4025-B7EC-741B44FF02F9}"/>
-    <dgm:cxn modelId="{9979A3A3-7521-9D4B-A267-EBEDC124CAC5}" srcId="{927CFBBD-7561-3441-9293-83FC6B8C6F6D}" destId="{EA311203-FF31-764D-BA8C-692C8C262239}" srcOrd="1" destOrd="0" parTransId="{D49EAE68-9307-DB4A-A725-7C160720A43A}" sibTransId="{9AF8A73C-7D74-5B41-8335-1DFEC0B62A87}"/>
+    <dgm:cxn modelId="{53ADA91A-8D7D-7C4D-B064-949C310C387E}" srcId="{EA311203-FF31-764D-BA8C-692C8C262239}" destId="{62D99AE4-E350-0C45-93C9-3C2E0D0B4208}" srcOrd="0" destOrd="0" parTransId="{E3B799B9-9DDB-4248-8E78-1C1CDD312FDD}" sibTransId="{74C050F9-3CDD-224A-B1EC-3542028A7B52}"/>
+    <dgm:cxn modelId="{3D5B008E-32A8-4A50-8443-DB9FC55892AF}" type="presOf" srcId="{7BB3C59E-4DA2-4EA2-B01D-479CBCC3E33B}" destId="{D36091E5-5420-4C08-9740-46E02AFC485C}" srcOrd="0" destOrd="3" presId="urn:microsoft.com/office/officeart/2005/8/layout/vList2"/>
+    <dgm:cxn modelId="{926FF674-AC38-1541-8923-1B5C1C27175A}" type="presOf" srcId="{927CFBBD-7561-3441-9293-83FC6B8C6F6D}" destId="{CC70B8A7-1F3F-8C41-9594-C9064B821710}" srcOrd="0" destOrd="0" presId="urn:microsoft.com/office/officeart/2005/8/layout/vList2"/>
+    <dgm:cxn modelId="{048764E3-3673-4E5E-920C-E35CBB96F09A}" type="presOf" srcId="{3773783E-2DD3-43D2-A202-E6912C89B8DC}" destId="{7A2BA35E-57DB-43F3-85DE-2820443CDE85}" srcOrd="0" destOrd="0" presId="urn:microsoft.com/office/officeart/2005/8/layout/vList2"/>
     <dgm:cxn modelId="{DA8FDD56-EDBF-42C3-B18E-2E933E7DDD41}" srcId="{8032A4B3-B463-4E46-BB9A-D9521E8151F8}" destId="{3A30A9C2-3A03-4DD1-AE54-757E08C9E144}" srcOrd="0" destOrd="0" parTransId="{7FFF4CB9-C740-4C84-AF70-A32707E4D879}" sibTransId="{500B93FF-21DD-486C-9214-511867862EDF}"/>
-    <dgm:cxn modelId="{88E0DA72-83EC-44BF-B173-4D55148FD01F}" srcId="{927CFBBD-7561-3441-9293-83FC6B8C6F6D}" destId="{8032A4B3-B463-4E46-BB9A-D9521E8151F8}" srcOrd="2" destOrd="0" parTransId="{58669EDC-272D-4DBE-A8E0-D34C44090A1A}" sibTransId="{C68693FC-50C8-4459-9CC1-6484F6FE58A8}"/>
-    <dgm:cxn modelId="{74707F39-34B8-49E8-94F3-40227103BBDC}" srcId="{927CFBBD-7561-3441-9293-83FC6B8C6F6D}" destId="{C18F7C84-1395-43AC-8526-FCD74B2FEACB}" srcOrd="3" destOrd="0" parTransId="{D8313B70-1F03-420B-A4DF-36D3A798E742}" sibTransId="{9BE508F2-1EF2-4E25-A763-1DB98973C972}"/>
+    <dgm:cxn modelId="{D4753516-E0A0-4E25-A518-4A0A4AC79885}" type="presOf" srcId="{EDE4D6DB-6713-4FBF-B4F8-B937784F83D6}" destId="{D36091E5-5420-4C08-9740-46E02AFC485C}" srcOrd="0" destOrd="2" presId="urn:microsoft.com/office/officeart/2005/8/layout/vList2"/>
+    <dgm:cxn modelId="{C732CCE7-733C-4C68-B116-95CC272E87D9}" type="presOf" srcId="{67D7436A-ABD6-489A-9CBF-8D953C1D93A6}" destId="{D36091E5-5420-4C08-9740-46E02AFC485C}" srcOrd="0" destOrd="1" presId="urn:microsoft.com/office/officeart/2005/8/layout/vList2"/>
+    <dgm:cxn modelId="{780F26E3-9BCC-4B74-87E3-D998738E480E}" type="presOf" srcId="{689F8407-8502-44D3-9CB6-3F30C284DC89}" destId="{D36091E5-5420-4C08-9740-46E02AFC485C}" srcOrd="0" destOrd="0" presId="urn:microsoft.com/office/officeart/2005/8/layout/vList2"/>
     <dgm:cxn modelId="{EDCC28C5-3353-49D4-BDE8-FE62ACE5983F}" type="presOf" srcId="{8032A4B3-B463-4E46-BB9A-D9521E8151F8}" destId="{6A5DBAD4-4E17-4481-A242-DC08FEF02B49}" srcOrd="0" destOrd="0" presId="urn:microsoft.com/office/officeart/2005/8/layout/vList2"/>
-    <dgm:cxn modelId="{3B044AD9-0C07-483A-AF07-75AF570DBDFE}" srcId="{927CFBBD-7561-3441-9293-83FC6B8C6F6D}" destId="{3773783E-2DD3-43D2-A202-E6912C89B8DC}" srcOrd="4" destOrd="0" parTransId="{8A2B87DF-023F-4189-A36E-3ACB93B71794}" sibTransId="{92DF802D-399B-43C0-8F7F-2108782F94C6}"/>
+    <dgm:cxn modelId="{EA88BF92-93A5-784D-AEE8-F56DEB8F67AC}" type="presOf" srcId="{406419E1-0FFF-354F-A0D0-2719B35FB9C6}" destId="{A33BF93F-4A22-BD47-B982-ED9E6DB595B6}" srcOrd="0" destOrd="0" presId="urn:microsoft.com/office/officeart/2005/8/layout/vList2"/>
+    <dgm:cxn modelId="{812E6252-E93D-4147-A76B-AA692D0952C9}" srcId="{C18F7C84-1395-43AC-8526-FCD74B2FEACB}" destId="{67D7436A-ABD6-489A-9CBF-8D953C1D93A6}" srcOrd="1" destOrd="0" parTransId="{1CCAE6D1-25FE-4F4C-A3AF-027917C08027}" sibTransId="{77A5B7E2-28BF-4915-84F2-07F0380920B2}"/>
+    <dgm:cxn modelId="{EA82C891-43D5-4E97-B27D-68EC1F361D0B}" srcId="{C18F7C84-1395-43AC-8526-FCD74B2FEACB}" destId="{EDE4D6DB-6713-4FBF-B4F8-B937784F83D6}" srcOrd="2" destOrd="0" parTransId="{3DCDE2C7-7554-4B76-8291-1059588EC5C6}" sibTransId="{39788312-B7BD-45B0-8AF4-C1931C4F34DA}"/>
     <dgm:cxn modelId="{2AEFB4CA-F6D0-6245-A2BE-60A2C2C16ABB}" srcId="{E0895953-413D-EA40-9010-D79FE0AB8E3F}" destId="{406419E1-0FFF-354F-A0D0-2719B35FB9C6}" srcOrd="0" destOrd="0" parTransId="{8AAFB291-E321-DB4D-B6D6-C650B0CD73D9}" sibTransId="{2839BF11-547B-AC46-B8F2-7C1E804CC372}"/>
-    <dgm:cxn modelId="{BF8223B7-A6E0-47B5-9704-0F99CB5BAE17}" type="presOf" srcId="{2723119B-7DA2-40A6-BE35-1AAC09BEFFBC}" destId="{B31E9A4D-87E5-4A60-A5B1-A569D81C835C}" srcOrd="0" destOrd="0" presId="urn:microsoft.com/office/officeart/2005/8/layout/vList2"/>
-    <dgm:cxn modelId="{2E212C78-863A-47CC-A52D-F3C786B04FFC}" type="presOf" srcId="{3A30A9C2-3A03-4DD1-AE54-757E08C9E144}" destId="{FE1FD1A0-A7CC-445B-AB0F-04CE43F06316}" srcOrd="0" destOrd="0" presId="urn:microsoft.com/office/officeart/2005/8/layout/vList2"/>
-    <dgm:cxn modelId="{C11FFD50-EE57-9941-9EE7-9E5543B75D37}" type="presOf" srcId="{EA311203-FF31-764D-BA8C-692C8C262239}" destId="{0CDEF05D-24F6-F14A-AAB2-C23247B416CE}" srcOrd="0" destOrd="0" presId="urn:microsoft.com/office/officeart/2005/8/layout/vList2"/>
+    <dgm:cxn modelId="{7C634147-5F48-4315-B150-D484C90B8818}" type="presOf" srcId="{C18F7C84-1395-43AC-8526-FCD74B2FEACB}" destId="{9E8EAC9C-41AA-41B2-A788-A2F7CB4F9F00}" srcOrd="0" destOrd="0" presId="urn:microsoft.com/office/officeart/2005/8/layout/vList2"/>
+    <dgm:cxn modelId="{46DD0596-73A3-C245-9C46-B7FC61E35022}" type="presOf" srcId="{62D99AE4-E350-0C45-93C9-3C2E0D0B4208}" destId="{DBD3C224-E551-D240-AA2B-D1A316CE8069}" srcOrd="0" destOrd="0" presId="urn:microsoft.com/office/officeart/2005/8/layout/vList2"/>
+    <dgm:cxn modelId="{9521986F-CA1E-4E92-9456-B91EEB046889}" srcId="{C18F7C84-1395-43AC-8526-FCD74B2FEACB}" destId="{689F8407-8502-44D3-9CB6-3F30C284DC89}" srcOrd="0" destOrd="0" parTransId="{BF90B063-8E5B-4099-AB8C-332DBE472534}" sibTransId="{4EA21741-C9D8-46D5-B525-CF0B8FAC2D95}"/>
     <dgm:cxn modelId="{20B2881A-F50B-4BD7-8896-0266586BF582}" srcId="{C18F7C84-1395-43AC-8526-FCD74B2FEACB}" destId="{7BB3C59E-4DA2-4EA2-B01D-479CBCC3E33B}" srcOrd="3" destOrd="0" parTransId="{DAF4B7FB-6072-46FC-A007-A96F36B893DF}" sibTransId="{603F296B-65C7-444C-AE84-4E3BBFDD4595}"/>
-    <dgm:cxn modelId="{C732CCE7-733C-4C68-B116-95CC272E87D9}" type="presOf" srcId="{67D7436A-ABD6-489A-9CBF-8D953C1D93A6}" destId="{D36091E5-5420-4C08-9740-46E02AFC485C}" srcOrd="0" destOrd="1" presId="urn:microsoft.com/office/officeart/2005/8/layout/vList2"/>
-    <dgm:cxn modelId="{D4753516-E0A0-4E25-A518-4A0A4AC79885}" type="presOf" srcId="{EDE4D6DB-6713-4FBF-B4F8-B937784F83D6}" destId="{D36091E5-5420-4C08-9740-46E02AFC485C}" srcOrd="0" destOrd="2" presId="urn:microsoft.com/office/officeart/2005/8/layout/vList2"/>
-    <dgm:cxn modelId="{926FF674-AC38-1541-8923-1B5C1C27175A}" type="presOf" srcId="{927CFBBD-7561-3441-9293-83FC6B8C6F6D}" destId="{CC70B8A7-1F3F-8C41-9594-C9064B821710}" srcOrd="0" destOrd="0" presId="urn:microsoft.com/office/officeart/2005/8/layout/vList2"/>
-    <dgm:cxn modelId="{EA88BF92-93A5-784D-AEE8-F56DEB8F67AC}" type="presOf" srcId="{406419E1-0FFF-354F-A0D0-2719B35FB9C6}" destId="{A33BF93F-4A22-BD47-B982-ED9E6DB595B6}" srcOrd="0" destOrd="0" presId="urn:microsoft.com/office/officeart/2005/8/layout/vList2"/>
-    <dgm:cxn modelId="{46DD0596-73A3-C245-9C46-B7FC61E35022}" type="presOf" srcId="{62D99AE4-E350-0C45-93C9-3C2E0D0B4208}" destId="{DBD3C224-E551-D240-AA2B-D1A316CE8069}" srcOrd="0" destOrd="0" presId="urn:microsoft.com/office/officeart/2005/8/layout/vList2"/>
-    <dgm:cxn modelId="{3D5B008E-32A8-4A50-8443-DB9FC55892AF}" type="presOf" srcId="{7BB3C59E-4DA2-4EA2-B01D-479CBCC3E33B}" destId="{D36091E5-5420-4C08-9740-46E02AFC485C}" srcOrd="0" destOrd="3" presId="urn:microsoft.com/office/officeart/2005/8/layout/vList2"/>
-    <dgm:cxn modelId="{048764E3-3673-4E5E-920C-E35CBB96F09A}" type="presOf" srcId="{3773783E-2DD3-43D2-A202-E6912C89B8DC}" destId="{7A2BA35E-57DB-43F3-85DE-2820443CDE85}" srcOrd="0" destOrd="0" presId="urn:microsoft.com/office/officeart/2005/8/layout/vList2"/>
-    <dgm:cxn modelId="{9521986F-CA1E-4E92-9456-B91EEB046889}" srcId="{C18F7C84-1395-43AC-8526-FCD74B2FEACB}" destId="{689F8407-8502-44D3-9CB6-3F30C284DC89}" srcOrd="0" destOrd="0" parTransId="{BF90B063-8E5B-4099-AB8C-332DBE472534}" sibTransId="{4EA21741-C9D8-46D5-B525-CF0B8FAC2D95}"/>
-    <dgm:cxn modelId="{EA82C891-43D5-4E97-B27D-68EC1F361D0B}" srcId="{C18F7C84-1395-43AC-8526-FCD74B2FEACB}" destId="{EDE4D6DB-6713-4FBF-B4F8-B937784F83D6}" srcOrd="2" destOrd="0" parTransId="{3DCDE2C7-7554-4B76-8291-1059588EC5C6}" sibTransId="{39788312-B7BD-45B0-8AF4-C1931C4F34DA}"/>
-    <dgm:cxn modelId="{53ADA91A-8D7D-7C4D-B064-949C310C387E}" srcId="{EA311203-FF31-764D-BA8C-692C8C262239}" destId="{62D99AE4-E350-0C45-93C9-3C2E0D0B4208}" srcOrd="0" destOrd="0" parTransId="{E3B799B9-9DDB-4248-8E78-1C1CDD312FDD}" sibTransId="{74C050F9-3CDD-224A-B1EC-3542028A7B52}"/>
-    <dgm:cxn modelId="{812E6252-E93D-4147-A76B-AA692D0952C9}" srcId="{C18F7C84-1395-43AC-8526-FCD74B2FEACB}" destId="{67D7436A-ABD6-489A-9CBF-8D953C1D93A6}" srcOrd="1" destOrd="0" parTransId="{1CCAE6D1-25FE-4F4C-A3AF-027917C08027}" sibTransId="{77A5B7E2-28BF-4915-84F2-07F0380920B2}"/>
-    <dgm:cxn modelId="{7C634147-5F48-4315-B150-D484C90B8818}" type="presOf" srcId="{C18F7C84-1395-43AC-8526-FCD74B2FEACB}" destId="{9E8EAC9C-41AA-41B2-A788-A2F7CB4F9F00}" srcOrd="0" destOrd="0" presId="urn:microsoft.com/office/officeart/2005/8/layout/vList2"/>
-    <dgm:cxn modelId="{780F26E3-9BCC-4B74-87E3-D998738E480E}" type="presOf" srcId="{689F8407-8502-44D3-9CB6-3F30C284DC89}" destId="{D36091E5-5420-4C08-9740-46E02AFC485C}" srcOrd="0" destOrd="0" presId="urn:microsoft.com/office/officeart/2005/8/layout/vList2"/>
-    <dgm:cxn modelId="{2E592EBF-6F6C-B848-B690-4FC8FAE11571}" type="presOf" srcId="{E0895953-413D-EA40-9010-D79FE0AB8E3F}" destId="{431B1631-8A73-8948-8367-E15382D6D97A}" srcOrd="0" destOrd="0" presId="urn:microsoft.com/office/officeart/2005/8/layout/vList2"/>
-    <dgm:cxn modelId="{1E1FAA53-6646-E847-87EB-EA447A460F76}" srcId="{927CFBBD-7561-3441-9293-83FC6B8C6F6D}" destId="{E0895953-413D-EA40-9010-D79FE0AB8E3F}" srcOrd="0" destOrd="0" parTransId="{E1D4A0E2-3747-D64D-936F-93E38018B35F}" sibTransId="{E16724E5-1FA4-354F-9542-B610759A7E54}"/>
     <dgm:cxn modelId="{1FCEB65B-FEA9-C541-8AF6-6AB8984479A5}" type="presParOf" srcId="{CC70B8A7-1F3F-8C41-9594-C9064B821710}" destId="{431B1631-8A73-8948-8367-E15382D6D97A}" srcOrd="0" destOrd="0" presId="urn:microsoft.com/office/officeart/2005/8/layout/vList2"/>
     <dgm:cxn modelId="{7DCE5B90-D07B-1C4B-814E-34789B93AB02}" type="presParOf" srcId="{CC70B8A7-1F3F-8C41-9594-C9064B821710}" destId="{A33BF93F-4A22-BD47-B982-ED9E6DB595B6}" srcOrd="1" destOrd="0" presId="urn:microsoft.com/office/officeart/2005/8/layout/vList2"/>
     <dgm:cxn modelId="{1C256148-DC50-254A-9C60-0B62D6009396}" type="presParOf" srcId="{CC70B8A7-1F3F-8C41-9594-C9064B821710}" destId="{0CDEF05D-24F6-F14A-AAB2-C23247B416CE}" srcOrd="2" destOrd="0" presId="urn:microsoft.com/office/officeart/2005/8/layout/vList2"/>
@@ -2827,8 +2815,8 @@
     <dgm:cxn modelId="{BEB793A1-67D8-284D-A5C8-B56A7F2271EB}" type="presOf" srcId="{FB90B8AB-C5E6-8647-B183-9B6CB29B46F4}" destId="{8B14C782-AF89-0F47-9D34-C6D40538E8B7}" srcOrd="0" destOrd="3" presId="urn:microsoft.com/office/officeart/2005/8/layout/vList2"/>
     <dgm:cxn modelId="{6FA3700D-6A1E-0243-BECD-D84D389F9DF9}" srcId="{E38E36DC-8476-8648-95EA-7EC93365B916}" destId="{0541EA34-580B-094F-B05A-74D64D7E8998}" srcOrd="0" destOrd="0" parTransId="{CA7083C4-DA5B-2A46-8ADF-77F1100C837A}" sibTransId="{F3C38E9E-E99A-494F-BAD4-8E1514A66D35}"/>
     <dgm:cxn modelId="{418340F2-196D-4D44-B68A-826AA913C0B1}" srcId="{E0895953-413D-EA40-9010-D79FE0AB8E3F}" destId="{FB90B8AB-C5E6-8647-B183-9B6CB29B46F4}" srcOrd="2" destOrd="0" parTransId="{E9CD4B3D-CE3B-B84B-A084-D0BB6D985442}" sibTransId="{3B8C62B7-7D5D-F543-807B-BE4B0613E0D2}"/>
+    <dgm:cxn modelId="{2AEFB4CA-F6D0-6245-A2BE-60A2C2C16ABB}" srcId="{E0895953-413D-EA40-9010-D79FE0AB8E3F}" destId="{406419E1-0FFF-354F-A0D0-2719B35FB9C6}" srcOrd="0" destOrd="0" parTransId="{8AAFB291-E321-DB4D-B6D6-C650B0CD73D9}" sibTransId="{2839BF11-547B-AC46-B8F2-7C1E804CC372}"/>
     <dgm:cxn modelId="{76195E20-7A90-2F48-8E5B-AB0E4BF4277C}" srcId="{E0895953-413D-EA40-9010-D79FE0AB8E3F}" destId="{96B75234-D76B-174D-9740-A26518A7FE40}" srcOrd="3" destOrd="0" parTransId="{E71C125F-01EB-CF47-8FE3-7FE4C88C054D}" sibTransId="{2ED66174-39D3-1747-8125-9B96727717F8}"/>
-    <dgm:cxn modelId="{2AEFB4CA-F6D0-6245-A2BE-60A2C2C16ABB}" srcId="{E0895953-413D-EA40-9010-D79FE0AB8E3F}" destId="{406419E1-0FFF-354F-A0D0-2719B35FB9C6}" srcOrd="0" destOrd="0" parTransId="{8AAFB291-E321-DB4D-B6D6-C650B0CD73D9}" sibTransId="{2839BF11-547B-AC46-B8F2-7C1E804CC372}"/>
     <dgm:cxn modelId="{4C7C036C-620C-6349-A04B-4FCD8466C310}" type="presOf" srcId="{E38E36DC-8476-8648-95EA-7EC93365B916}" destId="{8B14C782-AF89-0F47-9D34-C6D40538E8B7}" srcOrd="0" destOrd="1" presId="urn:microsoft.com/office/officeart/2005/8/layout/vList2"/>
     <dgm:cxn modelId="{38418F25-9C62-A34D-B722-8FC154586176}" type="presOf" srcId="{406419E1-0FFF-354F-A0D0-2719B35FB9C6}" destId="{8B14C782-AF89-0F47-9D34-C6D40538E8B7}" srcOrd="0" destOrd="0" presId="urn:microsoft.com/office/officeart/2005/8/layout/vList2"/>
     <dgm:cxn modelId="{133C7637-D5E6-2C46-A02A-267577018F22}" srcId="{96B75234-D76B-174D-9740-A26518A7FE40}" destId="{276F7011-1D27-B644-B757-7CB205AE0D85}" srcOrd="0" destOrd="0" parTransId="{65417372-67C8-0449-809E-932CD7D3A075}" sibTransId="{7423E876-EC27-C248-B18F-20432F16B5A6}"/>
@@ -3530,19 +3518,7 @@
             <a:rPr lang="es-EC" sz="1600" kern="1200" dirty="0" smtClean="0">
               <a:latin typeface="+mn-lt"/>
             </a:rPr>
-            <a:t>WS </a:t>
-          </a:r>
-          <a:r>
-            <a:rPr lang="es-EC" sz="1600" kern="1200" dirty="0" smtClean="0">
-              <a:latin typeface="+mn-lt"/>
-            </a:rPr>
-            <a:t>Extracción </a:t>
-          </a:r>
-          <a:r>
-            <a:rPr lang="es-EC" sz="1600" kern="1200" dirty="0" smtClean="0">
-              <a:latin typeface="+mn-lt"/>
-            </a:rPr>
-            <a:t>de Entidades</a:t>
+            <a:t>WS Extracción de Entidades</a:t>
           </a:r>
           <a:endParaRPr lang="es-EC" sz="1600" kern="1200" dirty="0">
             <a:latin typeface="+mn-lt"/>
@@ -14076,8 +14052,9 @@
             <a:pPr lvl="1"/>
             <a:r>
               <a:rPr lang="es-ES_tradnl" dirty="0" smtClean="0"/>
-              <a:t>&lt;&lt;Fecha inicio&gt;&gt;</a:t>
-            </a:r>
+              <a:t>28/11/2014</a:t>
+            </a:r>
+            <a:endParaRPr lang="es-ES_tradnl" dirty="0" smtClean="0"/>
           </a:p>
           <a:p>
             <a:r>
@@ -14088,12 +14065,9 @@
           <a:p>
             <a:pPr lvl="1"/>
             <a:r>
-              <a:rPr lang="es-ES_tradnl" dirty="0" smtClean="0"/>
-              <a:t>&lt;&lt;Fecha finalización&gt;&gt;</a:t>
-            </a:r>
-          </a:p>
-          <a:p>
-            <a:pPr lvl="1"/>
+              <a:rPr lang="es-ES_tradnl" smtClean="0"/>
+              <a:t>28/05/2014</a:t>
+            </a:r>
             <a:endParaRPr lang="es-ES_tradnl" dirty="0" smtClean="0"/>
           </a:p>
           <a:p>
